--- a/Лекция 1. Анализ и проектирование/Лекция 1. UML, основы проектирования.pptx
+++ b/Лекция 1. Анализ и проектирование/Лекция 1. UML, основы проектирования.pptx
@@ -5,7 +5,7 @@
     <p:sldMasterId id="2147483648" r:id="rId1"/>
   </p:sldMasterIdLst>
   <p:notesMasterIdLst>
-    <p:notesMasterId r:id="rId37"/>
+    <p:notesMasterId r:id="rId40"/>
   </p:notesMasterIdLst>
   <p:sldIdLst>
     <p:sldId id="256" r:id="rId2"/>
@@ -20,29 +20,32 @@
     <p:sldId id="262" r:id="rId11"/>
     <p:sldId id="264" r:id="rId12"/>
     <p:sldId id="265" r:id="rId13"/>
-    <p:sldId id="267" r:id="rId14"/>
-    <p:sldId id="268" r:id="rId15"/>
-    <p:sldId id="269" r:id="rId16"/>
-    <p:sldId id="270" r:id="rId17"/>
-    <p:sldId id="271" r:id="rId18"/>
-    <p:sldId id="272" r:id="rId19"/>
-    <p:sldId id="273" r:id="rId20"/>
-    <p:sldId id="275" r:id="rId21"/>
-    <p:sldId id="274" r:id="rId22"/>
-    <p:sldId id="278" r:id="rId23"/>
-    <p:sldId id="279" r:id="rId24"/>
-    <p:sldId id="280" r:id="rId25"/>
-    <p:sldId id="281" r:id="rId26"/>
-    <p:sldId id="282" r:id="rId27"/>
-    <p:sldId id="283" r:id="rId28"/>
-    <p:sldId id="284" r:id="rId29"/>
-    <p:sldId id="286" r:id="rId30"/>
-    <p:sldId id="287" r:id="rId31"/>
-    <p:sldId id="288" r:id="rId32"/>
-    <p:sldId id="289" r:id="rId33"/>
-    <p:sldId id="290" r:id="rId34"/>
-    <p:sldId id="291" r:id="rId35"/>
-    <p:sldId id="292" r:id="rId36"/>
+    <p:sldId id="293" r:id="rId14"/>
+    <p:sldId id="267" r:id="rId15"/>
+    <p:sldId id="268" r:id="rId16"/>
+    <p:sldId id="269" r:id="rId17"/>
+    <p:sldId id="270" r:id="rId18"/>
+    <p:sldId id="271" r:id="rId19"/>
+    <p:sldId id="272" r:id="rId20"/>
+    <p:sldId id="273" r:id="rId21"/>
+    <p:sldId id="275" r:id="rId22"/>
+    <p:sldId id="274" r:id="rId23"/>
+    <p:sldId id="278" r:id="rId24"/>
+    <p:sldId id="279" r:id="rId25"/>
+    <p:sldId id="282" r:id="rId26"/>
+    <p:sldId id="280" r:id="rId27"/>
+    <p:sldId id="281" r:id="rId28"/>
+    <p:sldId id="283" r:id="rId29"/>
+    <p:sldId id="284" r:id="rId30"/>
+    <p:sldId id="286" r:id="rId31"/>
+    <p:sldId id="287" r:id="rId32"/>
+    <p:sldId id="288" r:id="rId33"/>
+    <p:sldId id="289" r:id="rId34"/>
+    <p:sldId id="290" r:id="rId35"/>
+    <p:sldId id="291" r:id="rId36"/>
+    <p:sldId id="292" r:id="rId37"/>
+    <p:sldId id="294" r:id="rId38"/>
+    <p:sldId id="295" r:id="rId39"/>
   </p:sldIdLst>
   <p:sldSz cx="12192000" cy="6858000"/>
   <p:notesSz cx="6858000" cy="9144000"/>
@@ -141,6 +144,11 @@
       </a:defRPr>
     </a:lvl9pPr>
   </p:defaultTextStyle>
+  <p:extLst>
+    <p:ext uri="{EFAFB233-063F-42B5-8137-9DF3F51BA10A}">
+      <p15:sldGuideLst xmlns:p15="http://schemas.microsoft.com/office/powerpoint/2012/main"/>
+    </p:ext>
+  </p:extLst>
 </p:presentation>
 </file>
 
@@ -226,7 +234,7 @@
           <a:p>
             <a:fld id="{3E0769C4-F679-4E29-9FFC-F2E20B30D118}" type="datetimeFigureOut">
               <a:rPr lang="ru-RU" smtClean="0"/>
-              <a:t>13.05.2018</a:t>
+              <a:t>16.05.2018</a:t>
             </a:fld>
             <a:endParaRPr lang="ru-RU"/>
           </a:p>
@@ -567,7 +575,7 @@
           <a:p>
             <a:fld id="{59E205AB-616F-40D1-9E23-0E91B474D506}" type="slidenum">
               <a:rPr lang="ru-RU" smtClean="0"/>
-              <a:t>22</a:t>
+              <a:t>23</a:t>
             </a:fld>
             <a:endParaRPr lang="ru-RU"/>
           </a:p>
@@ -687,7 +695,7 @@
           <a:p>
             <a:fld id="{59E205AB-616F-40D1-9E23-0E91B474D506}" type="slidenum">
               <a:rPr lang="ru-RU" smtClean="0"/>
-              <a:t>24</a:t>
+              <a:t>26</a:t>
             </a:fld>
             <a:endParaRPr lang="ru-RU"/>
           </a:p>
@@ -795,7 +803,7 @@
           <a:p>
             <a:fld id="{59E205AB-616F-40D1-9E23-0E91B474D506}" type="slidenum">
               <a:rPr lang="ru-RU" smtClean="0"/>
-              <a:t>25</a:t>
+              <a:t>27</a:t>
             </a:fld>
             <a:endParaRPr lang="ru-RU"/>
           </a:p>
@@ -907,7 +915,7 @@
           <a:p>
             <a:fld id="{59E205AB-616F-40D1-9E23-0E91B474D506}" type="slidenum">
               <a:rPr lang="ru-RU" smtClean="0"/>
-              <a:t>27</a:t>
+              <a:t>28</a:t>
             </a:fld>
             <a:endParaRPr lang="ru-RU"/>
           </a:p>
@@ -1019,7 +1027,7 @@
           <a:p>
             <a:fld id="{59E205AB-616F-40D1-9E23-0E91B474D506}" type="slidenum">
               <a:rPr lang="ru-RU" smtClean="0"/>
-              <a:t>34</a:t>
+              <a:t>35</a:t>
             </a:fld>
             <a:endParaRPr lang="ru-RU"/>
           </a:p>
@@ -1029,6 +1037,94 @@
     <p:extLst>
       <p:ext uri="{BB962C8B-B14F-4D97-AF65-F5344CB8AC3E}">
         <p14:creationId xmlns:p14="http://schemas.microsoft.com/office/powerpoint/2010/main" val="373016557"/>
+      </p:ext>
+    </p:extLst>
+  </p:cSld>
+  <p:clrMapOvr>
+    <a:masterClrMapping/>
+  </p:clrMapOvr>
+</p:notes>
+</file>
+
+<file path=ppt/notesSlides/notesSlide6.xml><?xml version="1.0" encoding="utf-8"?>
+<p:notes xmlns:a="http://schemas.openxmlformats.org/drawingml/2006/main" xmlns:r="http://schemas.openxmlformats.org/officeDocument/2006/relationships" xmlns:p="http://schemas.openxmlformats.org/presentationml/2006/main">
+  <p:cSld>
+    <p:spTree>
+      <p:nvGrpSpPr>
+        <p:cNvPr id="1" name=""/>
+        <p:cNvGrpSpPr/>
+        <p:nvPr/>
+      </p:nvGrpSpPr>
+      <p:grpSpPr>
+        <a:xfrm>
+          <a:off x="0" y="0"/>
+          <a:ext cx="0" cy="0"/>
+          <a:chOff x="0" y="0"/>
+          <a:chExt cx="0" cy="0"/>
+        </a:xfrm>
+      </p:grpSpPr>
+      <p:sp>
+        <p:nvSpPr>
+          <p:cNvPr id="2" name="Образ слайда 1"/>
+          <p:cNvSpPr>
+            <a:spLocks noGrp="1" noRot="1" noChangeAspect="1"/>
+          </p:cNvSpPr>
+          <p:nvPr>
+            <p:ph type="sldImg"/>
+          </p:nvPr>
+        </p:nvSpPr>
+        <p:spPr/>
+      </p:sp>
+      <p:sp>
+        <p:nvSpPr>
+          <p:cNvPr id="3" name="Заметки 2"/>
+          <p:cNvSpPr>
+            <a:spLocks noGrp="1"/>
+          </p:cNvSpPr>
+          <p:nvPr>
+            <p:ph type="body" idx="1"/>
+          </p:nvPr>
+        </p:nvSpPr>
+        <p:spPr/>
+        <p:txBody>
+          <a:bodyPr/>
+          <a:lstStyle/>
+          <a:p>
+            <a:r>
+              <a:rPr lang="ru-RU" dirty="0" smtClean="0"/>
+              <a:t>Подытожим </a:t>
+            </a:r>
+            <a:endParaRPr lang="ru-RU" dirty="0"/>
+          </a:p>
+        </p:txBody>
+      </p:sp>
+      <p:sp>
+        <p:nvSpPr>
+          <p:cNvPr id="4" name="Номер слайда 3"/>
+          <p:cNvSpPr>
+            <a:spLocks noGrp="1"/>
+          </p:cNvSpPr>
+          <p:nvPr>
+            <p:ph type="sldNum" sz="quarter" idx="10"/>
+          </p:nvPr>
+        </p:nvSpPr>
+        <p:spPr/>
+        <p:txBody>
+          <a:bodyPr/>
+          <a:lstStyle/>
+          <a:p>
+            <a:fld id="{59E205AB-616F-40D1-9E23-0E91B474D506}" type="slidenum">
+              <a:rPr lang="ru-RU" smtClean="0"/>
+              <a:t>37</a:t>
+            </a:fld>
+            <a:endParaRPr lang="ru-RU"/>
+          </a:p>
+        </p:txBody>
+      </p:sp>
+    </p:spTree>
+    <p:extLst>
+      <p:ext uri="{BB962C8B-B14F-4D97-AF65-F5344CB8AC3E}">
+        <p14:creationId xmlns:p14="http://schemas.microsoft.com/office/powerpoint/2010/main" val="3307165592"/>
       </p:ext>
     </p:extLst>
   </p:cSld>
@@ -1169,7 +1265,7 @@
           <a:p>
             <a:fld id="{6169430A-5EF9-46DC-BA21-D7EA05D7B849}" type="datetimeFigureOut">
               <a:rPr lang="ru-RU" smtClean="0"/>
-              <a:t>13.05.2018</a:t>
+              <a:t>16.05.2018</a:t>
             </a:fld>
             <a:endParaRPr lang="ru-RU"/>
           </a:p>
@@ -1339,7 +1435,7 @@
           <a:p>
             <a:fld id="{6169430A-5EF9-46DC-BA21-D7EA05D7B849}" type="datetimeFigureOut">
               <a:rPr lang="ru-RU" smtClean="0"/>
-              <a:t>13.05.2018</a:t>
+              <a:t>16.05.2018</a:t>
             </a:fld>
             <a:endParaRPr lang="ru-RU"/>
           </a:p>
@@ -1519,7 +1615,7 @@
           <a:p>
             <a:fld id="{6169430A-5EF9-46DC-BA21-D7EA05D7B849}" type="datetimeFigureOut">
               <a:rPr lang="ru-RU" smtClean="0"/>
-              <a:t>13.05.2018</a:t>
+              <a:t>16.05.2018</a:t>
             </a:fld>
             <a:endParaRPr lang="ru-RU"/>
           </a:p>
@@ -1689,7 +1785,7 @@
           <a:p>
             <a:fld id="{6169430A-5EF9-46DC-BA21-D7EA05D7B849}" type="datetimeFigureOut">
               <a:rPr lang="ru-RU" smtClean="0"/>
-              <a:t>13.05.2018</a:t>
+              <a:t>16.05.2018</a:t>
             </a:fld>
             <a:endParaRPr lang="ru-RU"/>
           </a:p>
@@ -1935,7 +2031,7 @@
           <a:p>
             <a:fld id="{6169430A-5EF9-46DC-BA21-D7EA05D7B849}" type="datetimeFigureOut">
               <a:rPr lang="ru-RU" smtClean="0"/>
-              <a:t>13.05.2018</a:t>
+              <a:t>16.05.2018</a:t>
             </a:fld>
             <a:endParaRPr lang="ru-RU"/>
           </a:p>
@@ -2167,7 +2263,7 @@
           <a:p>
             <a:fld id="{6169430A-5EF9-46DC-BA21-D7EA05D7B849}" type="datetimeFigureOut">
               <a:rPr lang="ru-RU" smtClean="0"/>
-              <a:t>13.05.2018</a:t>
+              <a:t>16.05.2018</a:t>
             </a:fld>
             <a:endParaRPr lang="ru-RU"/>
           </a:p>
@@ -2534,7 +2630,7 @@
           <a:p>
             <a:fld id="{6169430A-5EF9-46DC-BA21-D7EA05D7B849}" type="datetimeFigureOut">
               <a:rPr lang="ru-RU" smtClean="0"/>
-              <a:t>13.05.2018</a:t>
+              <a:t>16.05.2018</a:t>
             </a:fld>
             <a:endParaRPr lang="ru-RU"/>
           </a:p>
@@ -2652,7 +2748,7 @@
           <a:p>
             <a:fld id="{6169430A-5EF9-46DC-BA21-D7EA05D7B849}" type="datetimeFigureOut">
               <a:rPr lang="ru-RU" smtClean="0"/>
-              <a:t>13.05.2018</a:t>
+              <a:t>16.05.2018</a:t>
             </a:fld>
             <a:endParaRPr lang="ru-RU"/>
           </a:p>
@@ -2747,7 +2843,7 @@
           <a:p>
             <a:fld id="{6169430A-5EF9-46DC-BA21-D7EA05D7B849}" type="datetimeFigureOut">
               <a:rPr lang="ru-RU" smtClean="0"/>
-              <a:t>13.05.2018</a:t>
+              <a:t>16.05.2018</a:t>
             </a:fld>
             <a:endParaRPr lang="ru-RU"/>
           </a:p>
@@ -3024,7 +3120,7 @@
           <a:p>
             <a:fld id="{6169430A-5EF9-46DC-BA21-D7EA05D7B849}" type="datetimeFigureOut">
               <a:rPr lang="ru-RU" smtClean="0"/>
-              <a:t>13.05.2018</a:t>
+              <a:t>16.05.2018</a:t>
             </a:fld>
             <a:endParaRPr lang="ru-RU"/>
           </a:p>
@@ -3277,7 +3373,7 @@
           <a:p>
             <a:fld id="{6169430A-5EF9-46DC-BA21-D7EA05D7B849}" type="datetimeFigureOut">
               <a:rPr lang="ru-RU" smtClean="0"/>
-              <a:t>13.05.2018</a:t>
+              <a:t>16.05.2018</a:t>
             </a:fld>
             <a:endParaRPr lang="ru-RU"/>
           </a:p>
@@ -3490,7 +3586,7 @@
           <a:p>
             <a:fld id="{6169430A-5EF9-46DC-BA21-D7EA05D7B849}" type="datetimeFigureOut">
               <a:rPr lang="ru-RU" smtClean="0"/>
-              <a:t>13.05.2018</a:t>
+              <a:t>16.05.2018</a:t>
             </a:fld>
             <a:endParaRPr lang="ru-RU"/>
           </a:p>
@@ -4358,6 +4454,60 @@
           <a:chExt cx="0" cy="0"/>
         </a:xfrm>
       </p:grpSpPr>
+      <p:pic>
+        <p:nvPicPr>
+          <p:cNvPr id="4" name="Рисунок 3"/>
+          <p:cNvPicPr>
+            <a:picLocks noChangeAspect="1"/>
+          </p:cNvPicPr>
+          <p:nvPr/>
+        </p:nvPicPr>
+        <p:blipFill>
+          <a:blip r:embed="rId2"/>
+          <a:stretch>
+            <a:fillRect/>
+          </a:stretch>
+        </p:blipFill>
+        <p:spPr>
+          <a:xfrm>
+            <a:off x="270040" y="321077"/>
+            <a:ext cx="11717304" cy="6270792"/>
+          </a:xfrm>
+          <a:prstGeom prst="rect">
+            <a:avLst/>
+          </a:prstGeom>
+        </p:spPr>
+      </p:pic>
+    </p:spTree>
+    <p:extLst>
+      <p:ext uri="{BB962C8B-B14F-4D97-AF65-F5344CB8AC3E}">
+        <p14:creationId xmlns:p14="http://schemas.microsoft.com/office/powerpoint/2010/main" val="2018529450"/>
+      </p:ext>
+    </p:extLst>
+  </p:cSld>
+  <p:clrMapOvr>
+    <a:masterClrMapping/>
+  </p:clrMapOvr>
+</p:sld>
+</file>
+
+<file path=ppt/slides/slide14.xml><?xml version="1.0" encoding="utf-8"?>
+<p:sld xmlns:a="http://schemas.openxmlformats.org/drawingml/2006/main" xmlns:r="http://schemas.openxmlformats.org/officeDocument/2006/relationships" xmlns:p="http://schemas.openxmlformats.org/presentationml/2006/main">
+  <p:cSld>
+    <p:spTree>
+      <p:nvGrpSpPr>
+        <p:cNvPr id="1" name=""/>
+        <p:cNvGrpSpPr/>
+        <p:nvPr/>
+      </p:nvGrpSpPr>
+      <p:grpSpPr>
+        <a:xfrm>
+          <a:off x="0" y="0"/>
+          <a:ext cx="0" cy="0"/>
+          <a:chOff x="0" y="0"/>
+          <a:chExt cx="0" cy="0"/>
+        </a:xfrm>
+      </p:grpSpPr>
       <p:sp>
         <p:nvSpPr>
           <p:cNvPr id="2" name="Заголовок 1"/>
@@ -4429,7 +4579,7 @@
 </p:sld>
 </file>
 
-<file path=ppt/slides/slide14.xml><?xml version="1.0" encoding="utf-8"?>
+<file path=ppt/slides/slide15.xml><?xml version="1.0" encoding="utf-8"?>
 <p:sld xmlns:a="http://schemas.openxmlformats.org/drawingml/2006/main" xmlns:r="http://schemas.openxmlformats.org/officeDocument/2006/relationships" xmlns:p="http://schemas.openxmlformats.org/presentationml/2006/main">
   <p:cSld>
     <p:spTree>
@@ -4531,7 +4681,7 @@
           <a:graphicData uri="http://schemas.openxmlformats.org/presentationml/2006/ole">
             <mc:AlternateContent xmlns:mc="http://schemas.openxmlformats.org/markup-compatibility/2006">
               <mc:Choice xmlns:v="urn:schemas-microsoft-com:vml" Requires="v">
-                <p:oleObj spid="_x0000_s4100" r:id="rId3" imgW="5788617" imgH="3770794" progId="Visio.Drawing.11">
+                <p:oleObj spid="_x0000_s4105" r:id="rId3" imgW="5788617" imgH="3770794" progId="Visio.Drawing.11">
                   <p:embed/>
                 </p:oleObj>
               </mc:Choice>
@@ -4596,7 +4746,7 @@
 </p:sld>
 </file>
 
-<file path=ppt/slides/slide15.xml><?xml version="1.0" encoding="utf-8"?>
+<file path=ppt/slides/slide16.xml><?xml version="1.0" encoding="utf-8"?>
 <p:sld xmlns:a="http://schemas.openxmlformats.org/drawingml/2006/main" xmlns:r="http://schemas.openxmlformats.org/officeDocument/2006/relationships" xmlns:p="http://schemas.openxmlformats.org/presentationml/2006/main">
   <p:cSld>
     <p:spTree>
@@ -4763,7 +4913,7 @@
 </p:sld>
 </file>
 
-<file path=ppt/slides/slide16.xml><?xml version="1.0" encoding="utf-8"?>
+<file path=ppt/slides/slide17.xml><?xml version="1.0" encoding="utf-8"?>
 <p:sld xmlns:a="http://schemas.openxmlformats.org/drawingml/2006/main" xmlns:r="http://schemas.openxmlformats.org/officeDocument/2006/relationships" xmlns:p="http://schemas.openxmlformats.org/presentationml/2006/main">
   <p:cSld>
     <p:spTree>
@@ -4917,265 +5067,6 @@
 </p:sld>
 </file>
 
-<file path=ppt/slides/slide17.xml><?xml version="1.0" encoding="utf-8"?>
-<p:sld xmlns:a="http://schemas.openxmlformats.org/drawingml/2006/main" xmlns:r="http://schemas.openxmlformats.org/officeDocument/2006/relationships" xmlns:p="http://schemas.openxmlformats.org/presentationml/2006/main">
-  <p:cSld>
-    <p:spTree>
-      <p:nvGrpSpPr>
-        <p:cNvPr id="1" name=""/>
-        <p:cNvGrpSpPr/>
-        <p:nvPr/>
-      </p:nvGrpSpPr>
-      <p:grpSpPr>
-        <a:xfrm>
-          <a:off x="0" y="0"/>
-          <a:ext cx="0" cy="0"/>
-          <a:chOff x="0" y="0"/>
-          <a:chExt cx="0" cy="0"/>
-        </a:xfrm>
-      </p:grpSpPr>
-      <p:sp>
-        <p:nvSpPr>
-          <p:cNvPr id="3" name="Объект 2"/>
-          <p:cNvSpPr>
-            <a:spLocks noGrp="1"/>
-          </p:cNvSpPr>
-          <p:nvPr>
-            <p:ph idx="1"/>
-          </p:nvPr>
-        </p:nvSpPr>
-        <p:spPr>
-          <a:xfrm>
-            <a:off x="838200" y="218364"/>
-            <a:ext cx="10515600" cy="5958599"/>
-          </a:xfrm>
-        </p:spPr>
-        <p:txBody>
-          <a:bodyPr/>
-          <a:lstStyle/>
-          <a:p>
-            <a:pPr marL="0" indent="0">
-              <a:buNone/>
-            </a:pPr>
-            <a:r>
-              <a:rPr lang="ru-RU" b="1" dirty="0" smtClean="0"/>
-              <a:t>Интернет-магазин </a:t>
-            </a:r>
-            <a:r>
-              <a:rPr lang="ru-RU" b="1" dirty="0"/>
-              <a:t>по продаже книг. Построение модели предметной области в первом приближении на основе требований.</a:t>
-            </a:r>
-          </a:p>
-          <a:p>
-            <a:pPr marL="457200" indent="-457200">
-              <a:buAutoNum type="arabicPeriod"/>
-            </a:pPr>
-            <a:r>
-              <a:rPr lang="ru-RU" sz="2000" b="1" dirty="0" smtClean="0"/>
-              <a:t>Интернет-магазин</a:t>
-            </a:r>
-            <a:r>
-              <a:rPr lang="ru-RU" sz="2000" dirty="0" smtClean="0"/>
-              <a:t> </a:t>
-            </a:r>
-            <a:r>
-              <a:rPr lang="ru-RU" sz="2000" dirty="0"/>
-              <a:t>должен иметь веб-интерфейс, но он должен иметь возможность подключения через другие интерфейсы (веб-сервисы и т.п</a:t>
-            </a:r>
-            <a:r>
-              <a:rPr lang="ru-RU" sz="2000" dirty="0" smtClean="0"/>
-              <a:t>.)</a:t>
-            </a:r>
-          </a:p>
-          <a:p>
-            <a:pPr marL="457200" indent="-457200">
-              <a:buAutoNum type="arabicPeriod"/>
-            </a:pPr>
-            <a:r>
-              <a:rPr lang="ru-RU" sz="2000" dirty="0" smtClean="0"/>
-              <a:t>Интернет-магазин предназначен для продажи </a:t>
-            </a:r>
-            <a:r>
-              <a:rPr lang="ru-RU" sz="2000" b="1" dirty="0" smtClean="0"/>
-              <a:t>книг</a:t>
-            </a:r>
-            <a:r>
-              <a:rPr lang="ru-RU" sz="2000" dirty="0" smtClean="0"/>
-              <a:t>, с оплатой </a:t>
-            </a:r>
-            <a:r>
-              <a:rPr lang="ru-RU" sz="2000" b="1" dirty="0" smtClean="0"/>
-              <a:t>счетов</a:t>
-            </a:r>
-            <a:r>
-              <a:rPr lang="ru-RU" sz="2000" dirty="0" smtClean="0"/>
-              <a:t> через </a:t>
-            </a:r>
-            <a:r>
-              <a:rPr lang="ru-RU" sz="2000" b="1" dirty="0" smtClean="0"/>
-              <a:t>интернет</a:t>
-            </a:r>
-            <a:r>
-              <a:rPr lang="ru-RU" sz="2000" dirty="0" smtClean="0"/>
-              <a:t>.</a:t>
-            </a:r>
-          </a:p>
-          <a:p>
-            <a:pPr marL="457200" indent="-457200">
-              <a:buAutoNum type="arabicPeriod"/>
-            </a:pPr>
-            <a:r>
-              <a:rPr lang="ru-RU" sz="2000" dirty="0" smtClean="0"/>
-              <a:t>Пользователь должен иметь возможность добавить </a:t>
-            </a:r>
-            <a:r>
-              <a:rPr lang="ru-RU" sz="2000" b="1" dirty="0" smtClean="0"/>
-              <a:t>книги</a:t>
-            </a:r>
-            <a:r>
-              <a:rPr lang="ru-RU" sz="2000" dirty="0" smtClean="0"/>
-              <a:t> в </a:t>
-            </a:r>
-            <a:r>
-              <a:rPr lang="ru-RU" sz="2000" b="1" dirty="0" smtClean="0"/>
-              <a:t>онлайн корзину</a:t>
-            </a:r>
-            <a:r>
-              <a:rPr lang="ru-RU" sz="2000" dirty="0" smtClean="0"/>
-              <a:t>, после чего произвести </a:t>
-            </a:r>
-            <a:r>
-              <a:rPr lang="ru-RU" sz="2000" b="1" dirty="0" smtClean="0"/>
-              <a:t>оплату</a:t>
-            </a:r>
-            <a:r>
-              <a:rPr lang="ru-RU" sz="2000" dirty="0" smtClean="0"/>
-              <a:t>.</a:t>
-            </a:r>
-          </a:p>
-          <a:p>
-            <a:pPr lvl="1"/>
-            <a:r>
-              <a:rPr lang="ru-RU" sz="2000" dirty="0" smtClean="0"/>
-              <a:t>Пользователь может убрать </a:t>
-            </a:r>
-            <a:r>
-              <a:rPr lang="ru-RU" sz="2000" b="1" dirty="0" smtClean="0"/>
-              <a:t>предметы</a:t>
-            </a:r>
-            <a:r>
-              <a:rPr lang="ru-RU" sz="2000" dirty="0" smtClean="0"/>
-              <a:t> из корзины</a:t>
-            </a:r>
-          </a:p>
-          <a:p>
-            <a:pPr marL="457200" indent="-457200">
-              <a:buFont typeface="+mj-lt"/>
-              <a:buAutoNum type="arabicPeriod"/>
-            </a:pPr>
-            <a:r>
-              <a:rPr lang="ru-RU" sz="2000" dirty="0" smtClean="0"/>
-              <a:t>Пользователь должен иметь возможность вести </a:t>
-            </a:r>
-            <a:r>
-              <a:rPr lang="ru-RU" sz="2000" b="1" dirty="0" smtClean="0"/>
-              <a:t>списки желаемых покупок</a:t>
-            </a:r>
-            <a:r>
-              <a:rPr lang="ru-RU" sz="2000" dirty="0" smtClean="0"/>
-              <a:t>, т.е. книг, которые он хочет купить позже</a:t>
-            </a:r>
-          </a:p>
-          <a:p>
-            <a:pPr marL="457200" indent="-457200">
-              <a:buFont typeface="+mj-lt"/>
-              <a:buAutoNum type="arabicPeriod"/>
-            </a:pPr>
-            <a:r>
-              <a:rPr lang="ru-RU" sz="2000" dirty="0" smtClean="0"/>
-              <a:t>Пользователь должен иметь возможность оплатить заказ </a:t>
-            </a:r>
-            <a:r>
-              <a:rPr lang="ru-RU" sz="2000" b="1" dirty="0" smtClean="0"/>
-              <a:t>кредитной картой </a:t>
-            </a:r>
-            <a:r>
-              <a:rPr lang="ru-RU" sz="2000" dirty="0" smtClean="0"/>
-              <a:t>или по </a:t>
-            </a:r>
-            <a:r>
-              <a:rPr lang="ru-RU" sz="2000" b="1" dirty="0" smtClean="0"/>
-              <a:t>счету на оплату</a:t>
-            </a:r>
-          </a:p>
-          <a:p>
-            <a:pPr marL="457200" indent="-457200">
-              <a:buFont typeface="+mj-lt"/>
-              <a:buAutoNum type="arabicPeriod"/>
-            </a:pPr>
-            <a:r>
-              <a:rPr lang="ru-RU" sz="2000" dirty="0" smtClean="0"/>
-              <a:t>Пользователь должен иметь возможность создать </a:t>
-            </a:r>
-            <a:r>
-              <a:rPr lang="ru-RU" sz="2000" b="1" dirty="0" smtClean="0"/>
-              <a:t>учетную запись</a:t>
-            </a:r>
-            <a:r>
-              <a:rPr lang="ru-RU" sz="2000" dirty="0" smtClean="0"/>
-              <a:t>, чтобы система запоминала данные пользователя (имя, адрес, данные банковской карты и т.д.) и восстанавливала их при входе.</a:t>
-            </a:r>
-          </a:p>
-          <a:p>
-            <a:pPr marL="457200" indent="-457200">
-              <a:buAutoNum type="arabicPeriod"/>
-            </a:pPr>
-            <a:endParaRPr lang="ru-RU" sz="2000" dirty="0" smtClean="0"/>
-          </a:p>
-          <a:p>
-            <a:pPr marL="457200" indent="-457200">
-              <a:buAutoNum type="arabicPeriod"/>
-            </a:pPr>
-            <a:endParaRPr lang="ru-RU" sz="2000" dirty="0" smtClean="0"/>
-          </a:p>
-          <a:p>
-            <a:pPr marL="0" indent="0">
-              <a:buNone/>
-            </a:pPr>
-            <a:endParaRPr lang="ru-RU" dirty="0">
-              <a:solidFill>
-                <a:srgbClr val="FF0000"/>
-              </a:solidFill>
-            </a:endParaRPr>
-          </a:p>
-          <a:p>
-            <a:pPr marL="0" indent="0">
-              <a:buNone/>
-            </a:pPr>
-            <a:endParaRPr lang="ru-RU" dirty="0"/>
-          </a:p>
-        </p:txBody>
-      </p:sp>
-    </p:spTree>
-    <p:extLst>
-      <p:ext uri="{BB962C8B-B14F-4D97-AF65-F5344CB8AC3E}">
-        <p14:creationId xmlns:p14="http://schemas.microsoft.com/office/powerpoint/2010/main" val="3489650226"/>
-      </p:ext>
-    </p:extLst>
-  </p:cSld>
-  <p:clrMapOvr>
-    <a:masterClrMapping/>
-  </p:clrMapOvr>
-  <p:timing>
-    <p:tnLst>
-      <p:par>
-        <p:cTn id="1" dur="indefinite" restart="never" nodeType="tmRoot"/>
-      </p:par>
-    </p:tnLst>
-  </p:timing>
-</p:sld>
-</file>
-
 <file path=ppt/slides/slide18.xml><?xml version="1.0" encoding="utf-8"?>
 <p:sld xmlns:a="http://schemas.openxmlformats.org/drawingml/2006/main" xmlns:r="http://schemas.openxmlformats.org/officeDocument/2006/relationships" xmlns:p="http://schemas.openxmlformats.org/presentationml/2006/main">
   <p:cSld>
@@ -5217,22 +5108,33 @@
               <a:buNone/>
             </a:pPr>
             <a:r>
-              <a:rPr lang="ru-RU" dirty="0"/>
-              <a:t>Эти требования – богатый источник для классов предметной области. Выделим существительные (в единственном числе) и связанные с ними слова</a:t>
-            </a:r>
-            <a:endParaRPr lang="ru-RU" sz="2000" dirty="0" smtClean="0"/>
+              <a:rPr lang="ru-RU" b="1" dirty="0" smtClean="0"/>
+              <a:t>Интернет-магазин </a:t>
+            </a:r>
+            <a:r>
+              <a:rPr lang="ru-RU" b="1" dirty="0"/>
+              <a:t>по продаже книг. Построение модели предметной области в первом приближении на основе требований.</a:t>
+            </a:r>
           </a:p>
           <a:p>
             <a:pPr marL="457200" indent="-457200">
               <a:buAutoNum type="arabicPeriod"/>
             </a:pPr>
             <a:r>
+              <a:rPr lang="ru-RU" sz="2000" b="1" dirty="0" smtClean="0"/>
+              <a:t>Интернет-магазин</a:t>
+            </a:r>
+            <a:r>
               <a:rPr lang="ru-RU" sz="2000" dirty="0" smtClean="0"/>
-              <a:t>Интернет магазин – </a:t>
-            </a:r>
-            <a:r>
-              <a:rPr lang="en-US" sz="2000" dirty="0" smtClean="0"/>
-              <a:t>Commerce Shop</a:t>
+              <a:t> </a:t>
+            </a:r>
+            <a:r>
+              <a:rPr lang="ru-RU" sz="2000" dirty="0"/>
+              <a:t>должен иметь веб-интерфейс, но он должен иметь возможность подключения через другие интерфейсы (веб-сервисы и т.п</a:t>
+            </a:r>
+            <a:r>
+              <a:rPr lang="ru-RU" sz="2000" dirty="0" smtClean="0"/>
+              <a:t>.)</a:t>
             </a:r>
           </a:p>
           <a:p>
@@ -5241,11 +5143,31 @@
             </a:pPr>
             <a:r>
               <a:rPr lang="ru-RU" sz="2000" dirty="0" smtClean="0"/>
-              <a:t>Книга – </a:t>
-            </a:r>
-            <a:r>
-              <a:rPr lang="en-US" sz="2000" dirty="0" smtClean="0"/>
-              <a:t>Book</a:t>
+              <a:t>Интернет-магазин предназначен для продажи </a:t>
+            </a:r>
+            <a:r>
+              <a:rPr lang="ru-RU" sz="2000" b="1" dirty="0" smtClean="0"/>
+              <a:t>книг</a:t>
+            </a:r>
+            <a:r>
+              <a:rPr lang="ru-RU" sz="2000" dirty="0" smtClean="0"/>
+              <a:t>, с оплатой </a:t>
+            </a:r>
+            <a:r>
+              <a:rPr lang="ru-RU" sz="2000" b="1" dirty="0" smtClean="0"/>
+              <a:t>счетов</a:t>
+            </a:r>
+            <a:r>
+              <a:rPr lang="ru-RU" sz="2000" dirty="0" smtClean="0"/>
+              <a:t> через </a:t>
+            </a:r>
+            <a:r>
+              <a:rPr lang="ru-RU" sz="2000" b="1" dirty="0" smtClean="0"/>
+              <a:t>интернет</a:t>
+            </a:r>
+            <a:r>
+              <a:rPr lang="ru-RU" sz="2000" dirty="0" smtClean="0"/>
+              <a:t>.</a:t>
             </a:r>
           </a:p>
           <a:p>
@@ -5254,150 +5176,111 @@
             </a:pPr>
             <a:r>
               <a:rPr lang="ru-RU" sz="2000" dirty="0" smtClean="0"/>
-              <a:t>Счет – </a:t>
-            </a:r>
-            <a:r>
-              <a:rPr lang="en-US" sz="2000" dirty="0" smtClean="0"/>
-              <a:t>Purchase</a:t>
+              <a:t>Пользователь должен иметь возможность добавить </a:t>
+            </a:r>
+            <a:r>
+              <a:rPr lang="ru-RU" sz="2000" b="1" dirty="0" smtClean="0"/>
+              <a:t>книги</a:t>
+            </a:r>
+            <a:r>
+              <a:rPr lang="ru-RU" sz="2000" dirty="0" smtClean="0"/>
+              <a:t> в </a:t>
+            </a:r>
+            <a:r>
+              <a:rPr lang="ru-RU" sz="2000" b="1" dirty="0" smtClean="0"/>
+              <a:t>онлайн корзину</a:t>
+            </a:r>
+            <a:r>
+              <a:rPr lang="ru-RU" sz="2000" dirty="0" smtClean="0"/>
+              <a:t>, после чего произвести </a:t>
+            </a:r>
+            <a:r>
+              <a:rPr lang="ru-RU" sz="2000" b="1" dirty="0" smtClean="0"/>
+              <a:t>оплату</a:t>
+            </a:r>
+            <a:r>
+              <a:rPr lang="ru-RU" sz="2000" dirty="0" smtClean="0"/>
+              <a:t>.</a:t>
+            </a:r>
+          </a:p>
+          <a:p>
+            <a:pPr lvl="1"/>
+            <a:r>
+              <a:rPr lang="ru-RU" sz="2000" dirty="0" smtClean="0"/>
+              <a:t>Пользователь может убрать </a:t>
+            </a:r>
+            <a:r>
+              <a:rPr lang="ru-RU" sz="2000" b="1" dirty="0" smtClean="0"/>
+              <a:t>предметы</a:t>
+            </a:r>
+            <a:r>
+              <a:rPr lang="ru-RU" sz="2000" dirty="0" smtClean="0"/>
+              <a:t> из корзины</a:t>
             </a:r>
           </a:p>
           <a:p>
             <a:pPr marL="457200" indent="-457200">
+              <a:buFont typeface="+mj-lt"/>
               <a:buAutoNum type="arabicPeriod"/>
             </a:pPr>
             <a:r>
-              <a:rPr lang="ru-RU" sz="2000" strike="sngStrike" dirty="0" smtClean="0"/>
-              <a:t>Интернет - </a:t>
-            </a:r>
-            <a:r>
-              <a:rPr lang="en-US" sz="2000" strike="sngStrike" dirty="0" smtClean="0"/>
-              <a:t> Internet</a:t>
-            </a:r>
-            <a:endParaRPr lang="ru-RU" sz="2000" strike="sngStrike" dirty="0" smtClean="0"/>
+              <a:rPr lang="ru-RU" sz="2000" dirty="0" smtClean="0"/>
+              <a:t>Пользователь должен иметь возможность вести </a:t>
+            </a:r>
+            <a:r>
+              <a:rPr lang="ru-RU" sz="2000" b="1" dirty="0" smtClean="0"/>
+              <a:t>списки желаемых покупок</a:t>
+            </a:r>
+            <a:r>
+              <a:rPr lang="ru-RU" sz="2000" dirty="0" smtClean="0"/>
+              <a:t>, т.е. книг, которые он хочет купить позже</a:t>
+            </a:r>
           </a:p>
           <a:p>
             <a:pPr marL="457200" indent="-457200">
+              <a:buFont typeface="+mj-lt"/>
               <a:buAutoNum type="arabicPeriod"/>
             </a:pPr>
             <a:r>
               <a:rPr lang="ru-RU" sz="2000" dirty="0" smtClean="0"/>
-              <a:t>Онлайн корзина – </a:t>
-            </a:r>
-            <a:r>
-              <a:rPr lang="en-US" sz="2000" dirty="0" smtClean="0"/>
-              <a:t>Online Basket</a:t>
+              <a:t>Пользователь должен иметь возможность оплатить заказ </a:t>
+            </a:r>
+            <a:r>
+              <a:rPr lang="ru-RU" sz="2000" b="1" dirty="0" smtClean="0"/>
+              <a:t>кредитной картой </a:t>
+            </a:r>
+            <a:r>
+              <a:rPr lang="ru-RU" sz="2000" dirty="0" smtClean="0"/>
+              <a:t>или по </a:t>
+            </a:r>
+            <a:r>
+              <a:rPr lang="ru-RU" sz="2000" b="1" dirty="0" smtClean="0"/>
+              <a:t>счету на оплату</a:t>
             </a:r>
           </a:p>
           <a:p>
             <a:pPr marL="457200" indent="-457200">
+              <a:buFont typeface="+mj-lt"/>
               <a:buAutoNum type="arabicPeriod"/>
             </a:pPr>
             <a:r>
               <a:rPr lang="ru-RU" sz="2000" dirty="0" smtClean="0"/>
-              <a:t>Оплата – </a:t>
-            </a:r>
-            <a:r>
-              <a:rPr lang="en-US" sz="2000" dirty="0" smtClean="0"/>
-              <a:t>Payment</a:t>
-            </a:r>
-            <a:endParaRPr lang="ru-RU" sz="2000" dirty="0" smtClean="0"/>
-          </a:p>
-          <a:p>
-            <a:pPr marL="457200" indent="-457200">
-              <a:buAutoNum type="arabicPeriod"/>
-            </a:pPr>
+              <a:t>Пользователь должен иметь возможность создать </a:t>
+            </a:r>
+            <a:r>
+              <a:rPr lang="ru-RU" sz="2000" b="1" dirty="0" smtClean="0"/>
+              <a:t>учетную запись</a:t>
+            </a:r>
             <a:r>
               <a:rPr lang="ru-RU" sz="2000" dirty="0" smtClean="0"/>
-              <a:t>Предмет – </a:t>
-            </a:r>
-            <a:r>
-              <a:rPr lang="en-US" sz="2000" dirty="0" smtClean="0"/>
-              <a:t>Subject -&gt; Product</a:t>
-            </a:r>
-          </a:p>
-          <a:p>
-            <a:pPr marL="457200" indent="-457200">
-              <a:buAutoNum type="arabicPeriod"/>
-            </a:pPr>
-            <a:r>
-              <a:rPr lang="ru-RU" sz="2000" dirty="0" smtClean="0"/>
-              <a:t>Список желаемых покупок – </a:t>
-            </a:r>
-            <a:r>
-              <a:rPr lang="en-US" sz="2000" dirty="0" smtClean="0"/>
-              <a:t>Product List</a:t>
-            </a:r>
-          </a:p>
-          <a:p>
-            <a:pPr marL="457200" indent="-457200">
-              <a:buAutoNum type="arabicPeriod"/>
-            </a:pPr>
-            <a:r>
-              <a:rPr lang="ru-RU" sz="2000" dirty="0" smtClean="0"/>
-              <a:t>Счет на оплату - </a:t>
-            </a:r>
-            <a:r>
-              <a:rPr lang="en-US" sz="2000" dirty="0" smtClean="0"/>
-              <a:t>Invoice Payment</a:t>
-            </a:r>
-          </a:p>
-          <a:p>
-            <a:pPr marL="457200" indent="-457200">
-              <a:buAutoNum type="arabicPeriod"/>
-            </a:pPr>
-            <a:r>
-              <a:rPr lang="ru-RU" sz="2000" dirty="0" smtClean="0"/>
-              <a:t>Кредитная карта - </a:t>
-            </a:r>
-            <a:r>
-              <a:rPr lang="en-US" sz="2000" dirty="0" smtClean="0"/>
-              <a:t>Credit card</a:t>
-            </a:r>
-            <a:endParaRPr lang="ru-RU" sz="2000" dirty="0" smtClean="0"/>
-          </a:p>
-          <a:p>
-            <a:pPr marL="457200" indent="-457200">
-              <a:buAutoNum type="arabicPeriod"/>
-            </a:pPr>
-            <a:r>
-              <a:rPr lang="ru-RU" sz="2000" dirty="0" smtClean="0"/>
-              <a:t>Учетная запись - </a:t>
-            </a:r>
-            <a:r>
-              <a:rPr lang="en-US" sz="2000" dirty="0" smtClean="0"/>
-              <a:t>Account</a:t>
-            </a:r>
-            <a:endParaRPr lang="ru-RU" sz="2000" dirty="0" smtClean="0"/>
+              <a:t>, чтобы система запоминала данные пользователя (имя, адрес, данные банковской карты и т.д.) и восстанавливала их при входе.</a:t>
+            </a:r>
           </a:p>
           <a:p>
             <a:pPr marL="457200" indent="-457200">
               <a:buAutoNum type="arabicPeriod"/>
             </a:pPr>
             <a:endParaRPr lang="ru-RU" sz="2000" dirty="0" smtClean="0"/>
-          </a:p>
-          <a:p>
-            <a:pPr marL="457200" indent="-457200">
-              <a:buAutoNum type="arabicPeriod"/>
-            </a:pPr>
-            <a:endParaRPr lang="en-US" sz="2000" b="1" dirty="0" smtClean="0"/>
-          </a:p>
-          <a:p>
-            <a:pPr marL="457200" indent="-457200">
-              <a:buAutoNum type="arabicPeriod"/>
-            </a:pPr>
-            <a:endParaRPr lang="en-US" sz="2000" dirty="0" smtClean="0"/>
-          </a:p>
-          <a:p>
-            <a:pPr marL="457200" indent="-457200">
-              <a:buAutoNum type="arabicPeriod"/>
-            </a:pPr>
-            <a:endParaRPr lang="en-US" sz="2000" dirty="0" smtClean="0"/>
-          </a:p>
-          <a:p>
-            <a:pPr marL="457200" indent="-457200">
-              <a:buAutoNum type="arabicPeriod"/>
-            </a:pPr>
-            <a:endParaRPr lang="en-US" sz="2000" dirty="0" smtClean="0"/>
           </a:p>
           <a:p>
             <a:pPr marL="457200" indent="-457200">
@@ -5426,7 +5309,7 @@
     </p:spTree>
     <p:extLst>
       <p:ext uri="{BB962C8B-B14F-4D97-AF65-F5344CB8AC3E}">
-        <p14:creationId xmlns:p14="http://schemas.microsoft.com/office/powerpoint/2010/main" val="2554312264"/>
+        <p14:creationId xmlns:p14="http://schemas.microsoft.com/office/powerpoint/2010/main" val="3489650226"/>
       </p:ext>
     </p:extLst>
   </p:cSld>
@@ -5462,43 +5345,230 @@
       </p:grpSpPr>
       <p:sp>
         <p:nvSpPr>
-          <p:cNvPr id="2" name="Заголовок 1"/>
-          <p:cNvSpPr>
-            <a:spLocks noGrp="1"/>
-          </p:cNvSpPr>
-          <p:nvPr>
-            <p:ph type="ctrTitle"/>
-          </p:nvPr>
-        </p:nvSpPr>
-        <p:spPr/>
-        <p:txBody>
-          <a:bodyPr>
-            <a:normAutofit/>
-          </a:bodyPr>
-          <a:lstStyle/>
-          <a:p>
-            <a:r>
-              <a:rPr lang="ru-RU" b="1" dirty="0"/>
-              <a:t>Моделирование на основе вариантов использования</a:t>
-            </a:r>
-          </a:p>
-        </p:txBody>
-      </p:sp>
-      <p:sp>
-        <p:nvSpPr>
-          <p:cNvPr id="3" name="Подзаголовок 2"/>
-          <p:cNvSpPr>
-            <a:spLocks noGrp="1"/>
-          </p:cNvSpPr>
-          <p:nvPr>
-            <p:ph type="subTitle" idx="1"/>
-          </p:nvPr>
-        </p:nvSpPr>
-        <p:spPr/>
+          <p:cNvPr id="3" name="Объект 2"/>
+          <p:cNvSpPr>
+            <a:spLocks noGrp="1"/>
+          </p:cNvSpPr>
+          <p:nvPr>
+            <p:ph idx="1"/>
+          </p:nvPr>
+        </p:nvSpPr>
+        <p:spPr>
+          <a:xfrm>
+            <a:off x="838200" y="218364"/>
+            <a:ext cx="10515600" cy="5958599"/>
+          </a:xfrm>
+        </p:spPr>
         <p:txBody>
           <a:bodyPr/>
           <a:lstStyle/>
           <a:p>
+            <a:pPr marL="0" indent="0">
+              <a:buNone/>
+            </a:pPr>
+            <a:r>
+              <a:rPr lang="ru-RU" dirty="0"/>
+              <a:t>Эти требования – богатый источник для классов предметной области. Выделим существительные (в единственном числе) и связанные с ними слова</a:t>
+            </a:r>
+            <a:endParaRPr lang="ru-RU" sz="2000" dirty="0" smtClean="0"/>
+          </a:p>
+          <a:p>
+            <a:pPr marL="457200" indent="-457200">
+              <a:buAutoNum type="arabicPeriod"/>
+            </a:pPr>
+            <a:r>
+              <a:rPr lang="ru-RU" sz="2000" dirty="0" smtClean="0"/>
+              <a:t>Интернет магазин – </a:t>
+            </a:r>
+            <a:r>
+              <a:rPr lang="en-US" sz="2000" dirty="0" smtClean="0"/>
+              <a:t>Commerce Shop</a:t>
+            </a:r>
+          </a:p>
+          <a:p>
+            <a:pPr marL="457200" indent="-457200">
+              <a:buAutoNum type="arabicPeriod"/>
+            </a:pPr>
+            <a:r>
+              <a:rPr lang="ru-RU" sz="2000" dirty="0" smtClean="0"/>
+              <a:t>Книга – </a:t>
+            </a:r>
+            <a:r>
+              <a:rPr lang="en-US" sz="2000" dirty="0" smtClean="0"/>
+              <a:t>Book</a:t>
+            </a:r>
+          </a:p>
+          <a:p>
+            <a:pPr marL="457200" indent="-457200">
+              <a:buAutoNum type="arabicPeriod"/>
+            </a:pPr>
+            <a:r>
+              <a:rPr lang="ru-RU" sz="2000" dirty="0" smtClean="0"/>
+              <a:t>Счет – </a:t>
+            </a:r>
+            <a:r>
+              <a:rPr lang="en-US" sz="2000" dirty="0" smtClean="0"/>
+              <a:t>Purchase</a:t>
+            </a:r>
+          </a:p>
+          <a:p>
+            <a:pPr marL="457200" indent="-457200">
+              <a:buAutoNum type="arabicPeriod"/>
+            </a:pPr>
+            <a:r>
+              <a:rPr lang="ru-RU" sz="2000" strike="sngStrike" dirty="0" smtClean="0"/>
+              <a:t>Интернет - </a:t>
+            </a:r>
+            <a:r>
+              <a:rPr lang="en-US" sz="2000" strike="sngStrike" dirty="0" smtClean="0"/>
+              <a:t> Internet</a:t>
+            </a:r>
+            <a:endParaRPr lang="ru-RU" sz="2000" strike="sngStrike" dirty="0" smtClean="0"/>
+          </a:p>
+          <a:p>
+            <a:pPr marL="457200" indent="-457200">
+              <a:buAutoNum type="arabicPeriod"/>
+            </a:pPr>
+            <a:r>
+              <a:rPr lang="ru-RU" sz="2000" dirty="0" smtClean="0"/>
+              <a:t>Онлайн корзина – </a:t>
+            </a:r>
+            <a:r>
+              <a:rPr lang="en-US" sz="2000" dirty="0" smtClean="0"/>
+              <a:t>Online Basket</a:t>
+            </a:r>
+          </a:p>
+          <a:p>
+            <a:pPr marL="457200" indent="-457200">
+              <a:buAutoNum type="arabicPeriod"/>
+            </a:pPr>
+            <a:r>
+              <a:rPr lang="ru-RU" sz="2000" dirty="0" smtClean="0"/>
+              <a:t>Оплата – </a:t>
+            </a:r>
+            <a:r>
+              <a:rPr lang="en-US" sz="2000" dirty="0" smtClean="0"/>
+              <a:t>Payment</a:t>
+            </a:r>
+            <a:endParaRPr lang="ru-RU" sz="2000" dirty="0" smtClean="0"/>
+          </a:p>
+          <a:p>
+            <a:pPr marL="457200" indent="-457200">
+              <a:buAutoNum type="arabicPeriod"/>
+            </a:pPr>
+            <a:r>
+              <a:rPr lang="ru-RU" sz="2000" dirty="0" smtClean="0"/>
+              <a:t>Предмет – </a:t>
+            </a:r>
+            <a:r>
+              <a:rPr lang="en-US" sz="2000" dirty="0" smtClean="0"/>
+              <a:t>Subject -&gt; Product</a:t>
+            </a:r>
+          </a:p>
+          <a:p>
+            <a:pPr marL="457200" indent="-457200">
+              <a:buAutoNum type="arabicPeriod"/>
+            </a:pPr>
+            <a:r>
+              <a:rPr lang="ru-RU" sz="2000" dirty="0" smtClean="0"/>
+              <a:t>Список желаемых покупок – </a:t>
+            </a:r>
+            <a:r>
+              <a:rPr lang="en-US" sz="2000" dirty="0" smtClean="0"/>
+              <a:t>Product List</a:t>
+            </a:r>
+          </a:p>
+          <a:p>
+            <a:pPr marL="457200" indent="-457200">
+              <a:buAutoNum type="arabicPeriod"/>
+            </a:pPr>
+            <a:r>
+              <a:rPr lang="ru-RU" sz="2000" dirty="0" smtClean="0"/>
+              <a:t>Счет на оплату - </a:t>
+            </a:r>
+            <a:r>
+              <a:rPr lang="en-US" sz="2000" dirty="0" smtClean="0"/>
+              <a:t>Invoice Payment</a:t>
+            </a:r>
+          </a:p>
+          <a:p>
+            <a:pPr marL="457200" indent="-457200">
+              <a:buAutoNum type="arabicPeriod"/>
+            </a:pPr>
+            <a:r>
+              <a:rPr lang="ru-RU" sz="2000" dirty="0" smtClean="0"/>
+              <a:t>Кредитная карта - </a:t>
+            </a:r>
+            <a:r>
+              <a:rPr lang="en-US" sz="2000" dirty="0" smtClean="0"/>
+              <a:t>Credit card</a:t>
+            </a:r>
+            <a:endParaRPr lang="ru-RU" sz="2000" dirty="0" smtClean="0"/>
+          </a:p>
+          <a:p>
+            <a:pPr marL="457200" indent="-457200">
+              <a:buAutoNum type="arabicPeriod"/>
+            </a:pPr>
+            <a:r>
+              <a:rPr lang="ru-RU" sz="2000" dirty="0" smtClean="0"/>
+              <a:t>Учетная запись - </a:t>
+            </a:r>
+            <a:r>
+              <a:rPr lang="en-US" sz="2000" dirty="0" smtClean="0"/>
+              <a:t>Account</a:t>
+            </a:r>
+            <a:endParaRPr lang="ru-RU" sz="2000" dirty="0" smtClean="0"/>
+          </a:p>
+          <a:p>
+            <a:pPr marL="457200" indent="-457200">
+              <a:buAutoNum type="arabicPeriod"/>
+            </a:pPr>
+            <a:endParaRPr lang="ru-RU" sz="2000" dirty="0" smtClean="0"/>
+          </a:p>
+          <a:p>
+            <a:pPr marL="457200" indent="-457200">
+              <a:buAutoNum type="arabicPeriod"/>
+            </a:pPr>
+            <a:endParaRPr lang="en-US" sz="2000" b="1" dirty="0" smtClean="0"/>
+          </a:p>
+          <a:p>
+            <a:pPr marL="457200" indent="-457200">
+              <a:buAutoNum type="arabicPeriod"/>
+            </a:pPr>
+            <a:endParaRPr lang="en-US" sz="2000" dirty="0" smtClean="0"/>
+          </a:p>
+          <a:p>
+            <a:pPr marL="457200" indent="-457200">
+              <a:buAutoNum type="arabicPeriod"/>
+            </a:pPr>
+            <a:endParaRPr lang="en-US" sz="2000" dirty="0" smtClean="0"/>
+          </a:p>
+          <a:p>
+            <a:pPr marL="457200" indent="-457200">
+              <a:buAutoNum type="arabicPeriod"/>
+            </a:pPr>
+            <a:endParaRPr lang="en-US" sz="2000" dirty="0" smtClean="0"/>
+          </a:p>
+          <a:p>
+            <a:pPr marL="457200" indent="-457200">
+              <a:buAutoNum type="arabicPeriod"/>
+            </a:pPr>
+            <a:endParaRPr lang="ru-RU" sz="2000" dirty="0" smtClean="0"/>
+          </a:p>
+          <a:p>
+            <a:pPr marL="0" indent="0">
+              <a:buNone/>
+            </a:pPr>
+            <a:endParaRPr lang="ru-RU" dirty="0">
+              <a:solidFill>
+                <a:srgbClr val="FF0000"/>
+              </a:solidFill>
+            </a:endParaRPr>
+          </a:p>
+          <a:p>
+            <a:pPr marL="0" indent="0">
+              <a:buNone/>
+            </a:pPr>
             <a:endParaRPr lang="ru-RU" dirty="0"/>
           </a:p>
         </p:txBody>
@@ -5506,7 +5576,7 @@
     </p:spTree>
     <p:extLst>
       <p:ext uri="{BB962C8B-B14F-4D97-AF65-F5344CB8AC3E}">
-        <p14:creationId xmlns:p14="http://schemas.microsoft.com/office/powerpoint/2010/main" val="1856058686"/>
+        <p14:creationId xmlns:p14="http://schemas.microsoft.com/office/powerpoint/2010/main" val="2554312264"/>
       </p:ext>
     </p:extLst>
   </p:cSld>
@@ -5616,6 +5686,86 @@
 </file>
 
 <file path=ppt/slides/slide20.xml><?xml version="1.0" encoding="utf-8"?>
+<p:sld xmlns:a="http://schemas.openxmlformats.org/drawingml/2006/main" xmlns:r="http://schemas.openxmlformats.org/officeDocument/2006/relationships" xmlns:p="http://schemas.openxmlformats.org/presentationml/2006/main">
+  <p:cSld>
+    <p:spTree>
+      <p:nvGrpSpPr>
+        <p:cNvPr id="1" name=""/>
+        <p:cNvGrpSpPr/>
+        <p:nvPr/>
+      </p:nvGrpSpPr>
+      <p:grpSpPr>
+        <a:xfrm>
+          <a:off x="0" y="0"/>
+          <a:ext cx="0" cy="0"/>
+          <a:chOff x="0" y="0"/>
+          <a:chExt cx="0" cy="0"/>
+        </a:xfrm>
+      </p:grpSpPr>
+      <p:sp>
+        <p:nvSpPr>
+          <p:cNvPr id="2" name="Заголовок 1"/>
+          <p:cNvSpPr>
+            <a:spLocks noGrp="1"/>
+          </p:cNvSpPr>
+          <p:nvPr>
+            <p:ph type="ctrTitle"/>
+          </p:nvPr>
+        </p:nvSpPr>
+        <p:spPr/>
+        <p:txBody>
+          <a:bodyPr>
+            <a:normAutofit/>
+          </a:bodyPr>
+          <a:lstStyle/>
+          <a:p>
+            <a:r>
+              <a:rPr lang="ru-RU" b="1" dirty="0"/>
+              <a:t>Моделирование на основе вариантов использования</a:t>
+            </a:r>
+          </a:p>
+        </p:txBody>
+      </p:sp>
+      <p:sp>
+        <p:nvSpPr>
+          <p:cNvPr id="3" name="Подзаголовок 2"/>
+          <p:cNvSpPr>
+            <a:spLocks noGrp="1"/>
+          </p:cNvSpPr>
+          <p:nvPr>
+            <p:ph type="subTitle" idx="1"/>
+          </p:nvPr>
+        </p:nvSpPr>
+        <p:spPr/>
+        <p:txBody>
+          <a:bodyPr/>
+          <a:lstStyle/>
+          <a:p>
+            <a:endParaRPr lang="ru-RU" dirty="0"/>
+          </a:p>
+        </p:txBody>
+      </p:sp>
+    </p:spTree>
+    <p:extLst>
+      <p:ext uri="{BB962C8B-B14F-4D97-AF65-F5344CB8AC3E}">
+        <p14:creationId xmlns:p14="http://schemas.microsoft.com/office/powerpoint/2010/main" val="1856058686"/>
+      </p:ext>
+    </p:extLst>
+  </p:cSld>
+  <p:clrMapOvr>
+    <a:masterClrMapping/>
+  </p:clrMapOvr>
+  <p:timing>
+    <p:tnLst>
+      <p:par>
+        <p:cTn id="1" dur="indefinite" restart="never" nodeType="tmRoot"/>
+      </p:par>
+    </p:tnLst>
+  </p:timing>
+</p:sld>
+</file>
+
+<file path=ppt/slides/slide21.xml><?xml version="1.0" encoding="utf-8"?>
 <p:sld xmlns:a="http://schemas.openxmlformats.org/drawingml/2006/main" xmlns:r="http://schemas.openxmlformats.org/officeDocument/2006/relationships" xmlns:p="http://schemas.openxmlformats.org/presentationml/2006/main">
   <p:cSld>
     <p:spTree>
@@ -5717,7 +5867,7 @@
           <a:graphicData uri="http://schemas.openxmlformats.org/presentationml/2006/ole">
             <mc:AlternateContent xmlns:mc="http://schemas.openxmlformats.org/markup-compatibility/2006">
               <mc:Choice xmlns:v="urn:schemas-microsoft-com:vml" Requires="v">
-                <p:oleObj spid="_x0000_s6148" r:id="rId3" imgW="5788800" imgH="3770552" progId="Visio.Drawing.11">
+                <p:oleObj spid="_x0000_s6153" r:id="rId3" imgW="5788800" imgH="3770552" progId="Visio.Drawing.11">
                   <p:embed/>
                 </p:oleObj>
               </mc:Choice>
@@ -5782,7 +5932,7 @@
 </p:sld>
 </file>
 
-<file path=ppt/slides/slide21.xml><?xml version="1.0" encoding="utf-8"?>
+<file path=ppt/slides/slide22.xml><?xml version="1.0" encoding="utf-8"?>
 <p:sld xmlns:a="http://schemas.openxmlformats.org/drawingml/2006/main" xmlns:r="http://schemas.openxmlformats.org/officeDocument/2006/relationships" xmlns:p="http://schemas.openxmlformats.org/presentationml/2006/main">
   <p:cSld>
     <p:spTree>
@@ -5911,7 +6061,7 @@
 </p:sld>
 </file>
 
-<file path=ppt/slides/slide22.xml><?xml version="1.0" encoding="utf-8"?>
+<file path=ppt/slides/slide23.xml><?xml version="1.0" encoding="utf-8"?>
 <p:sld xmlns:a="http://schemas.openxmlformats.org/drawingml/2006/main" xmlns:r="http://schemas.openxmlformats.org/officeDocument/2006/relationships" xmlns:p="http://schemas.openxmlformats.org/presentationml/2006/main">
   <p:cSld>
     <p:spTree>
@@ -5993,56 +6143,26 @@
       </p:sp>
       <p:pic>
         <p:nvPicPr>
-          <p:cNvPr id="11266" name="Picture 2"/>
+          <p:cNvPr id="3" name="Рисунок 2"/>
           <p:cNvPicPr>
-            <a:picLocks noChangeAspect="1" noChangeArrowheads="1"/>
+            <a:picLocks noChangeAspect="1"/>
           </p:cNvPicPr>
           <p:nvPr/>
         </p:nvPicPr>
         <p:blipFill>
-          <a:blip r:embed="rId3">
-            <a:extLst>
-              <a:ext uri="{28A0092B-C50C-407E-A947-70E740481C1C}">
-                <a14:useLocalDpi xmlns:a14="http://schemas.microsoft.com/office/drawing/2010/main" val="0"/>
-              </a:ext>
-            </a:extLst>
-          </a:blip>
-          <a:srcRect/>
+          <a:blip r:embed="rId3"/>
           <a:stretch>
             <a:fillRect/>
           </a:stretch>
         </p:blipFill>
-        <p:spPr bwMode="auto">
+        <p:spPr>
           <a:xfrm>
-            <a:off x="2364960" y="267286"/>
-            <a:ext cx="6807175" cy="6458789"/>
+            <a:off x="2792950" y="163829"/>
+            <a:ext cx="6421388" cy="6361598"/>
           </a:xfrm>
           <a:prstGeom prst="rect">
             <a:avLst/>
           </a:prstGeom>
-          <a:noFill/>
-          <a:ln>
-            <a:noFill/>
-          </a:ln>
-          <a:extLst>
-            <a:ext uri="{909E8E84-426E-40DD-AFC4-6F175D3DCCD1}">
-              <a14:hiddenFill xmlns:a14="http://schemas.microsoft.com/office/drawing/2010/main">
-                <a:solidFill>
-                  <a:srgbClr val="FFFFFF"/>
-                </a:solidFill>
-              </a14:hiddenFill>
-            </a:ext>
-            <a:ext uri="{91240B29-F687-4F45-9708-019B960494DF}">
-              <a14:hiddenLine xmlns:a14="http://schemas.microsoft.com/office/drawing/2010/main" w="9525">
-                <a:solidFill>
-                  <a:srgbClr val="000000"/>
-                </a:solidFill>
-                <a:miter lim="800000"/>
-                <a:headEnd/>
-                <a:tailEnd/>
-              </a14:hiddenLine>
-            </a:ext>
-          </a:extLst>
         </p:spPr>
       </p:pic>
     </p:spTree>
@@ -6065,7 +6185,7 @@
 </p:sld>
 </file>
 
-<file path=ppt/slides/slide23.xml><?xml version="1.0" encoding="utf-8"?>
+<file path=ppt/slides/slide24.xml><?xml version="1.0" encoding="utf-8"?>
 <p:sld xmlns:a="http://schemas.openxmlformats.org/drawingml/2006/main" xmlns:r="http://schemas.openxmlformats.org/officeDocument/2006/relationships" xmlns:p="http://schemas.openxmlformats.org/presentationml/2006/main">
   <p:cSld>
     <p:spTree>
@@ -6200,7 +6320,127 @@
 </p:sld>
 </file>
 
-<file path=ppt/slides/slide24.xml><?xml version="1.0" encoding="utf-8"?>
+<file path=ppt/slides/slide25.xml><?xml version="1.0" encoding="utf-8"?>
+<p:sld xmlns:a="http://schemas.openxmlformats.org/drawingml/2006/main" xmlns:r="http://schemas.openxmlformats.org/officeDocument/2006/relationships" xmlns:p="http://schemas.openxmlformats.org/presentationml/2006/main">
+  <p:cSld>
+    <p:spTree>
+      <p:nvGrpSpPr>
+        <p:cNvPr id="1" name=""/>
+        <p:cNvGrpSpPr/>
+        <p:nvPr/>
+      </p:nvGrpSpPr>
+      <p:grpSpPr>
+        <a:xfrm>
+          <a:off x="0" y="0"/>
+          <a:ext cx="0" cy="0"/>
+          <a:chOff x="0" y="0"/>
+          <a:chExt cx="0" cy="0"/>
+        </a:xfrm>
+      </p:grpSpPr>
+      <p:sp>
+        <p:nvSpPr>
+          <p:cNvPr id="3" name="Объект 2"/>
+          <p:cNvSpPr>
+            <a:spLocks noGrp="1"/>
+          </p:cNvSpPr>
+          <p:nvPr>
+            <p:ph idx="1"/>
+          </p:nvPr>
+        </p:nvSpPr>
+        <p:spPr>
+          <a:xfrm>
+            <a:off x="838200" y="218364"/>
+            <a:ext cx="10515600" cy="5958599"/>
+          </a:xfrm>
+        </p:spPr>
+        <p:txBody>
+          <a:bodyPr>
+            <a:normAutofit fontScale="92500" lnSpcReduction="20000"/>
+          </a:bodyPr>
+          <a:lstStyle/>
+          <a:p>
+            <a:r>
+              <a:rPr lang="ru-RU" dirty="0"/>
+              <a:t>ОСНОВНОЙ СЦЕНАРИЙ.</a:t>
+            </a:r>
+          </a:p>
+          <a:p>
+            <a:r>
+              <a:rPr lang="ru-RU" dirty="0"/>
+              <a:t>Пользователь щелкает на кнопке Написать отзыв для текущей книги. Система показывает страницу для Написания отзыва. Пользователь вводит Отзыв, задает Рейтинг, выбирая из возможных пяти баллов, и нажимает кнопку отправить. Система проверяет, что Отзыв не слишком короткий и не слишком длинный и баллы входят в допустимый диапазон. Система показывает страницу с подтверждением и отзыв отправляется на проверку Модератору.</a:t>
+            </a:r>
+          </a:p>
+          <a:p>
+            <a:r>
+              <a:rPr lang="ru-RU" dirty="0"/>
+              <a:t>АЛЬТЕРНАТИВНЫЙ СЦЕНАРИЙ.</a:t>
+            </a:r>
+          </a:p>
+          <a:p>
+            <a:r>
+              <a:rPr lang="ru-RU" b="1" dirty="0"/>
+              <a:t>Пользователь не авторизован</a:t>
+            </a:r>
+            <a:r>
+              <a:rPr lang="en-US" b="1" dirty="0"/>
+              <a:t>. </a:t>
+            </a:r>
+            <a:r>
+              <a:rPr lang="ru-RU" dirty="0"/>
+              <a:t>Система перенаправляет пользователя на страницу Авторизации и если он авторизуется, то возвращает его на страницу написания отзыва.</a:t>
+            </a:r>
+          </a:p>
+          <a:p>
+            <a:r>
+              <a:rPr lang="ru-RU" b="1" dirty="0"/>
+              <a:t>Пользователь ввел слишком длинный текст (&gt; 1 </a:t>
+            </a:r>
+            <a:r>
+              <a:rPr lang="en-US" b="1" dirty="0"/>
+              <a:t>Mb</a:t>
+            </a:r>
+            <a:r>
+              <a:rPr lang="ru-RU" b="1" dirty="0"/>
+              <a:t>).</a:t>
+            </a:r>
+            <a:r>
+              <a:rPr lang="ru-RU" dirty="0"/>
+              <a:t> Система отвергает отзыв и выводит сообщение, объясняющие почему отзыв был отвергнут.</a:t>
+            </a:r>
+          </a:p>
+          <a:p>
+            <a:r>
+              <a:rPr lang="ru-RU" b="1" dirty="0"/>
+              <a:t>Пользователь слишком короткий (&lt; 10 символов)</a:t>
+            </a:r>
+            <a:r>
+              <a:rPr lang="ru-RU" dirty="0"/>
+              <a:t>. Система отвергает отзыв.</a:t>
+            </a:r>
+          </a:p>
+        </p:txBody>
+      </p:sp>
+    </p:spTree>
+    <p:extLst>
+      <p:ext uri="{BB962C8B-B14F-4D97-AF65-F5344CB8AC3E}">
+        <p14:creationId xmlns:p14="http://schemas.microsoft.com/office/powerpoint/2010/main" val="412973182"/>
+      </p:ext>
+    </p:extLst>
+  </p:cSld>
+  <p:clrMapOvr>
+    <a:masterClrMapping/>
+  </p:clrMapOvr>
+  <p:timing>
+    <p:tnLst>
+      <p:par>
+        <p:cTn id="1" dur="indefinite" restart="never" nodeType="tmRoot"/>
+      </p:par>
+    </p:tnLst>
+  </p:timing>
+</p:sld>
+</file>
+
+<file path=ppt/slides/slide26.xml><?xml version="1.0" encoding="utf-8"?>
 <p:sld xmlns:a="http://schemas.openxmlformats.org/drawingml/2006/main" xmlns:r="http://schemas.openxmlformats.org/officeDocument/2006/relationships" xmlns:p="http://schemas.openxmlformats.org/presentationml/2006/main">
   <p:cSld>
     <p:spTree>
@@ -6354,7 +6594,7 @@
 </p:sld>
 </file>
 
-<file path=ppt/slides/slide25.xml><?xml version="1.0" encoding="utf-8"?>
+<file path=ppt/slides/slide27.xml><?xml version="1.0" encoding="utf-8"?>
 <p:sld xmlns:a="http://schemas.openxmlformats.org/drawingml/2006/main" xmlns:r="http://schemas.openxmlformats.org/officeDocument/2006/relationships" xmlns:p="http://schemas.openxmlformats.org/presentationml/2006/main">
   <p:cSld>
     <p:spTree>
@@ -6508,127 +6748,7 @@
 </p:sld>
 </file>
 
-<file path=ppt/slides/slide26.xml><?xml version="1.0" encoding="utf-8"?>
-<p:sld xmlns:a="http://schemas.openxmlformats.org/drawingml/2006/main" xmlns:r="http://schemas.openxmlformats.org/officeDocument/2006/relationships" xmlns:p="http://schemas.openxmlformats.org/presentationml/2006/main">
-  <p:cSld>
-    <p:spTree>
-      <p:nvGrpSpPr>
-        <p:cNvPr id="1" name=""/>
-        <p:cNvGrpSpPr/>
-        <p:nvPr/>
-      </p:nvGrpSpPr>
-      <p:grpSpPr>
-        <a:xfrm>
-          <a:off x="0" y="0"/>
-          <a:ext cx="0" cy="0"/>
-          <a:chOff x="0" y="0"/>
-          <a:chExt cx="0" cy="0"/>
-        </a:xfrm>
-      </p:grpSpPr>
-      <p:sp>
-        <p:nvSpPr>
-          <p:cNvPr id="3" name="Объект 2"/>
-          <p:cNvSpPr>
-            <a:spLocks noGrp="1"/>
-          </p:cNvSpPr>
-          <p:nvPr>
-            <p:ph idx="1"/>
-          </p:nvPr>
-        </p:nvSpPr>
-        <p:spPr>
-          <a:xfrm>
-            <a:off x="838200" y="218364"/>
-            <a:ext cx="10515600" cy="5958599"/>
-          </a:xfrm>
-        </p:spPr>
-        <p:txBody>
-          <a:bodyPr>
-            <a:normAutofit fontScale="92500" lnSpcReduction="20000"/>
-          </a:bodyPr>
-          <a:lstStyle/>
-          <a:p>
-            <a:r>
-              <a:rPr lang="ru-RU" dirty="0"/>
-              <a:t>ОСНОВНОЙ СЦЕНАРИЙ.</a:t>
-            </a:r>
-          </a:p>
-          <a:p>
-            <a:r>
-              <a:rPr lang="ru-RU" dirty="0"/>
-              <a:t>Пользователь щелкает на кнопке Написать отзыв для текущей книги. Система показывает страницу для Написания отзыва. Пользователь вводит Отзыв, задает Рейтинг, выбирая из возможных пяти баллов, и нажимает кнопку отправить. Система проверяет, что Отзыв не слишком короткий и не слишком длинный и баллы входят в допустимый диапазон. Система показывает страницу с подтверждением и отзыв отправляется на проверку Модератору.</a:t>
-            </a:r>
-          </a:p>
-          <a:p>
-            <a:r>
-              <a:rPr lang="ru-RU" dirty="0"/>
-              <a:t>АЛЬТЕРНАТИВНЫЙ СЦЕНАРИЙ.</a:t>
-            </a:r>
-          </a:p>
-          <a:p>
-            <a:r>
-              <a:rPr lang="ru-RU" b="1" dirty="0"/>
-              <a:t>Пользователь не авторизован</a:t>
-            </a:r>
-            <a:r>
-              <a:rPr lang="en-US" b="1" dirty="0"/>
-              <a:t>. </a:t>
-            </a:r>
-            <a:r>
-              <a:rPr lang="ru-RU" dirty="0"/>
-              <a:t>Система перенаправляет пользователя на страницу Авторизации и если он авторизуется, то возвращает его на страницу написания отзыва.</a:t>
-            </a:r>
-          </a:p>
-          <a:p>
-            <a:r>
-              <a:rPr lang="ru-RU" b="1" dirty="0"/>
-              <a:t>Пользователь ввел слишком длинный текст (&gt; 1 </a:t>
-            </a:r>
-            <a:r>
-              <a:rPr lang="en-US" b="1" dirty="0"/>
-              <a:t>Mb</a:t>
-            </a:r>
-            <a:r>
-              <a:rPr lang="ru-RU" b="1" dirty="0"/>
-              <a:t>).</a:t>
-            </a:r>
-            <a:r>
-              <a:rPr lang="ru-RU" dirty="0"/>
-              <a:t> Система отвергает отзыв и выводит сообщение, объясняющие почему отзыв был отвергнут.</a:t>
-            </a:r>
-          </a:p>
-          <a:p>
-            <a:r>
-              <a:rPr lang="ru-RU" b="1" dirty="0"/>
-              <a:t>Пользователь слишком короткий (&lt; 10 символов)</a:t>
-            </a:r>
-            <a:r>
-              <a:rPr lang="ru-RU" dirty="0"/>
-              <a:t>. Система отвергает отзыв.</a:t>
-            </a:r>
-          </a:p>
-        </p:txBody>
-      </p:sp>
-    </p:spTree>
-    <p:extLst>
-      <p:ext uri="{BB962C8B-B14F-4D97-AF65-F5344CB8AC3E}">
-        <p14:creationId xmlns:p14="http://schemas.microsoft.com/office/powerpoint/2010/main" val="412973182"/>
-      </p:ext>
-    </p:extLst>
-  </p:cSld>
-  <p:clrMapOvr>
-    <a:masterClrMapping/>
-  </p:clrMapOvr>
-  <p:timing>
-    <p:tnLst>
-      <p:par>
-        <p:cTn id="1" dur="indefinite" restart="never" nodeType="tmRoot"/>
-      </p:par>
-    </p:tnLst>
-  </p:timing>
-</p:sld>
-</file>
-
-<file path=ppt/slides/slide27.xml><?xml version="1.0" encoding="utf-8"?>
+<file path=ppt/slides/slide28.xml><?xml version="1.0" encoding="utf-8"?>
 <p:sld xmlns:a="http://schemas.openxmlformats.org/drawingml/2006/main" xmlns:r="http://schemas.openxmlformats.org/officeDocument/2006/relationships" xmlns:p="http://schemas.openxmlformats.org/presentationml/2006/main">
   <p:cSld>
     <p:spTree>
@@ -6732,7 +6852,7 @@
 </p:sld>
 </file>
 
-<file path=ppt/slides/slide28.xml><?xml version="1.0" encoding="utf-8"?>
+<file path=ppt/slides/slide29.xml><?xml version="1.0" encoding="utf-8"?>
 <p:sld xmlns:a="http://schemas.openxmlformats.org/drawingml/2006/main" xmlns:r="http://schemas.openxmlformats.org/officeDocument/2006/relationships" xmlns:p="http://schemas.openxmlformats.org/presentationml/2006/main">
   <p:cSld>
     <p:spTree>
@@ -6775,12 +6895,12 @@
               <a:buNone/>
             </a:pPr>
             <a:r>
-              <a:rPr lang="ru-RU" b="1" cap="all" dirty="0"/>
+              <a:rPr lang="ru-RU" b="1" cap="all"/>
               <a:t>ГЕНЕРАЛИЗАЦИЯ </a:t>
             </a:r>
             <a:r>
-              <a:rPr lang="ru-RU" b="1" cap="all" dirty="0" smtClean="0"/>
-              <a:t>(наследование)</a:t>
+              <a:rPr lang="ru-RU" b="1" cap="all" smtClean="0"/>
+              <a:t>(ОБОБЩЕНИЕ)</a:t>
             </a:r>
             <a:endParaRPr lang="ru-RU" b="1" cap="all" dirty="0"/>
           </a:p>
@@ -6904,7 +7024,207 @@
 </p:sld>
 </file>
 
-<file path=ppt/slides/slide29.xml><?xml version="1.0" encoding="utf-8"?>
+<file path=ppt/slides/slide3.xml><?xml version="1.0" encoding="utf-8"?>
+<p:sld xmlns:a="http://schemas.openxmlformats.org/drawingml/2006/main" xmlns:r="http://schemas.openxmlformats.org/officeDocument/2006/relationships" xmlns:p="http://schemas.openxmlformats.org/presentationml/2006/main">
+  <p:cSld>
+    <p:spTree>
+      <p:nvGrpSpPr>
+        <p:cNvPr id="1" name=""/>
+        <p:cNvGrpSpPr/>
+        <p:nvPr/>
+      </p:nvGrpSpPr>
+      <p:grpSpPr>
+        <a:xfrm>
+          <a:off x="0" y="0"/>
+          <a:ext cx="0" cy="0"/>
+          <a:chOff x="0" y="0"/>
+          <a:chExt cx="0" cy="0"/>
+        </a:xfrm>
+      </p:grpSpPr>
+      <p:sp>
+        <p:nvSpPr>
+          <p:cNvPr id="2" name="Заголовок 1"/>
+          <p:cNvSpPr>
+            <a:spLocks noGrp="1"/>
+          </p:cNvSpPr>
+          <p:nvPr>
+            <p:ph type="title"/>
+          </p:nvPr>
+        </p:nvSpPr>
+        <p:spPr/>
+        <p:txBody>
+          <a:bodyPr/>
+          <a:lstStyle/>
+          <a:p>
+            <a:pPr algn="ctr"/>
+            <a:r>
+              <a:rPr lang="ru-RU" dirty="0" smtClean="0"/>
+              <a:t>основные </a:t>
+            </a:r>
+            <a:r>
+              <a:rPr lang="ru-RU" dirty="0"/>
+              <a:t>этапы </a:t>
+            </a:r>
+            <a:r>
+              <a:rPr lang="ru-RU" dirty="0" smtClean="0"/>
+              <a:t>анализа</a:t>
+            </a:r>
+            <a:endParaRPr lang="ru-RU" dirty="0"/>
+          </a:p>
+        </p:txBody>
+      </p:sp>
+      <p:sp>
+        <p:nvSpPr>
+          <p:cNvPr id="3" name="Объект 2"/>
+          <p:cNvSpPr>
+            <a:spLocks noGrp="1"/>
+          </p:cNvSpPr>
+          <p:nvPr>
+            <p:ph idx="1"/>
+          </p:nvPr>
+        </p:nvSpPr>
+        <p:spPr/>
+        <p:txBody>
+          <a:bodyPr/>
+          <a:lstStyle/>
+          <a:p>
+            <a:pPr marL="514350" indent="-514350">
+              <a:buFont typeface="+mj-lt"/>
+              <a:buAutoNum type="arabicPeriod"/>
+            </a:pPr>
+            <a:r>
+              <a:rPr lang="ru-RU" dirty="0"/>
+              <a:t>Любой проект начинается с анализа </a:t>
+            </a:r>
+            <a:r>
+              <a:rPr lang="ru-RU" dirty="0" smtClean="0"/>
+              <a:t>требований</a:t>
+            </a:r>
+            <a:endParaRPr lang="ru-RU" dirty="0" smtClean="0">
+              <a:effectLst/>
+            </a:endParaRPr>
+          </a:p>
+          <a:p>
+            <a:pPr lvl="1"/>
+            <a:r>
+              <a:rPr lang="ru-RU" dirty="0"/>
+              <a:t>Функциональные </a:t>
+            </a:r>
+            <a:r>
+              <a:rPr lang="ru-RU" dirty="0" smtClean="0"/>
+              <a:t>требования</a:t>
+            </a:r>
+          </a:p>
+          <a:p>
+            <a:pPr lvl="1"/>
+            <a:r>
+              <a:rPr lang="ru-RU" dirty="0"/>
+              <a:t>Требования к модели предметной </a:t>
+            </a:r>
+            <a:r>
+              <a:rPr lang="ru-RU" dirty="0" smtClean="0"/>
+              <a:t>области</a:t>
+            </a:r>
+            <a:endParaRPr lang="ru-RU" dirty="0" smtClean="0">
+              <a:effectLst/>
+            </a:endParaRPr>
+          </a:p>
+          <a:p>
+            <a:pPr lvl="1"/>
+            <a:r>
+              <a:rPr lang="ru-RU" dirty="0"/>
+              <a:t>Поведенческие </a:t>
+            </a:r>
+            <a:r>
+              <a:rPr lang="ru-RU" dirty="0" smtClean="0"/>
+              <a:t>требования</a:t>
+            </a:r>
+          </a:p>
+          <a:p>
+            <a:pPr marL="514350" indent="-514350">
+              <a:buAutoNum type="arabicPeriod" startAt="2"/>
+            </a:pPr>
+            <a:r>
+              <a:rPr lang="ru-RU" dirty="0" smtClean="0"/>
+              <a:t>Предварительное проектирование</a:t>
+            </a:r>
+          </a:p>
+          <a:p>
+            <a:pPr lvl="1"/>
+            <a:r>
+              <a:rPr lang="ru-RU" dirty="0"/>
+              <a:t>Робастный анализ </a:t>
+            </a:r>
+            <a:endParaRPr lang="ru-RU" dirty="0" smtClean="0"/>
+          </a:p>
+          <a:p>
+            <a:pPr lvl="1"/>
+            <a:r>
+              <a:rPr lang="ru-RU" dirty="0" smtClean="0"/>
+              <a:t>Создание модели </a:t>
+            </a:r>
+            <a:r>
+              <a:rPr lang="ru-RU" dirty="0"/>
+              <a:t>предметной </a:t>
+            </a:r>
+            <a:r>
+              <a:rPr lang="ru-RU" dirty="0" smtClean="0"/>
+              <a:t>области</a:t>
+            </a:r>
+          </a:p>
+          <a:p>
+            <a:pPr lvl="1"/>
+            <a:r>
+              <a:rPr lang="ru-RU" dirty="0" smtClean="0"/>
+              <a:t>Перечисление всех связующих логических </a:t>
+            </a:r>
+            <a:r>
+              <a:rPr lang="ru-RU" dirty="0"/>
+              <a:t>функции (</a:t>
+            </a:r>
+            <a:r>
+              <a:rPr lang="ru-RU" dirty="0" smtClean="0"/>
+              <a:t>контроллеров)</a:t>
+            </a:r>
+          </a:p>
+          <a:p>
+            <a:pPr lvl="1"/>
+            <a:r>
+              <a:rPr lang="ru-RU" dirty="0" smtClean="0"/>
+              <a:t>Варианты </a:t>
+            </a:r>
+            <a:r>
+              <a:rPr lang="ru-RU" dirty="0"/>
+              <a:t>использования</a:t>
+            </a:r>
+          </a:p>
+          <a:p>
+            <a:pPr lvl="1"/>
+            <a:endParaRPr lang="ru-RU" dirty="0"/>
+          </a:p>
+        </p:txBody>
+      </p:sp>
+    </p:spTree>
+    <p:extLst>
+      <p:ext uri="{BB962C8B-B14F-4D97-AF65-F5344CB8AC3E}">
+        <p14:creationId xmlns:p14="http://schemas.microsoft.com/office/powerpoint/2010/main" val="3785808841"/>
+      </p:ext>
+    </p:extLst>
+  </p:cSld>
+  <p:clrMapOvr>
+    <a:masterClrMapping/>
+  </p:clrMapOvr>
+  <p:timing>
+    <p:tnLst>
+      <p:par>
+        <p:cTn id="1" dur="indefinite" restart="never" nodeType="tmRoot"/>
+      </p:par>
+    </p:tnLst>
+  </p:timing>
+</p:sld>
+</file>
+
+<file path=ppt/slides/slide30.xml><?xml version="1.0" encoding="utf-8"?>
 <p:sld xmlns:a="http://schemas.openxmlformats.org/drawingml/2006/main" xmlns:r="http://schemas.openxmlformats.org/officeDocument/2006/relationships" xmlns:p="http://schemas.openxmlformats.org/presentationml/2006/main">
   <p:cSld>
     <p:spTree>
@@ -7067,207 +7387,7 @@
 </p:sld>
 </file>
 
-<file path=ppt/slides/slide3.xml><?xml version="1.0" encoding="utf-8"?>
-<p:sld xmlns:a="http://schemas.openxmlformats.org/drawingml/2006/main" xmlns:r="http://schemas.openxmlformats.org/officeDocument/2006/relationships" xmlns:p="http://schemas.openxmlformats.org/presentationml/2006/main">
-  <p:cSld>
-    <p:spTree>
-      <p:nvGrpSpPr>
-        <p:cNvPr id="1" name=""/>
-        <p:cNvGrpSpPr/>
-        <p:nvPr/>
-      </p:nvGrpSpPr>
-      <p:grpSpPr>
-        <a:xfrm>
-          <a:off x="0" y="0"/>
-          <a:ext cx="0" cy="0"/>
-          <a:chOff x="0" y="0"/>
-          <a:chExt cx="0" cy="0"/>
-        </a:xfrm>
-      </p:grpSpPr>
-      <p:sp>
-        <p:nvSpPr>
-          <p:cNvPr id="2" name="Заголовок 1"/>
-          <p:cNvSpPr>
-            <a:spLocks noGrp="1"/>
-          </p:cNvSpPr>
-          <p:nvPr>
-            <p:ph type="title"/>
-          </p:nvPr>
-        </p:nvSpPr>
-        <p:spPr/>
-        <p:txBody>
-          <a:bodyPr/>
-          <a:lstStyle/>
-          <a:p>
-            <a:pPr algn="ctr"/>
-            <a:r>
-              <a:rPr lang="ru-RU" dirty="0" smtClean="0"/>
-              <a:t>основные </a:t>
-            </a:r>
-            <a:r>
-              <a:rPr lang="ru-RU" dirty="0"/>
-              <a:t>этапы </a:t>
-            </a:r>
-            <a:r>
-              <a:rPr lang="ru-RU" dirty="0" smtClean="0"/>
-              <a:t>анализа</a:t>
-            </a:r>
-            <a:endParaRPr lang="ru-RU" dirty="0"/>
-          </a:p>
-        </p:txBody>
-      </p:sp>
-      <p:sp>
-        <p:nvSpPr>
-          <p:cNvPr id="3" name="Объект 2"/>
-          <p:cNvSpPr>
-            <a:spLocks noGrp="1"/>
-          </p:cNvSpPr>
-          <p:nvPr>
-            <p:ph idx="1"/>
-          </p:nvPr>
-        </p:nvSpPr>
-        <p:spPr/>
-        <p:txBody>
-          <a:bodyPr/>
-          <a:lstStyle/>
-          <a:p>
-            <a:pPr marL="514350" indent="-514350">
-              <a:buFont typeface="+mj-lt"/>
-              <a:buAutoNum type="arabicPeriod"/>
-            </a:pPr>
-            <a:r>
-              <a:rPr lang="ru-RU" dirty="0"/>
-              <a:t>Любой проект начинается с анализа </a:t>
-            </a:r>
-            <a:r>
-              <a:rPr lang="ru-RU" dirty="0" smtClean="0"/>
-              <a:t>требований</a:t>
-            </a:r>
-            <a:endParaRPr lang="ru-RU" dirty="0" smtClean="0">
-              <a:effectLst/>
-            </a:endParaRPr>
-          </a:p>
-          <a:p>
-            <a:pPr lvl="1"/>
-            <a:r>
-              <a:rPr lang="ru-RU" dirty="0"/>
-              <a:t>Функциональные </a:t>
-            </a:r>
-            <a:r>
-              <a:rPr lang="ru-RU" dirty="0" smtClean="0"/>
-              <a:t>требования</a:t>
-            </a:r>
-          </a:p>
-          <a:p>
-            <a:pPr lvl="1"/>
-            <a:r>
-              <a:rPr lang="ru-RU" dirty="0"/>
-              <a:t>Требования к модели предметной </a:t>
-            </a:r>
-            <a:r>
-              <a:rPr lang="ru-RU" dirty="0" smtClean="0"/>
-              <a:t>области</a:t>
-            </a:r>
-            <a:endParaRPr lang="ru-RU" dirty="0" smtClean="0">
-              <a:effectLst/>
-            </a:endParaRPr>
-          </a:p>
-          <a:p>
-            <a:pPr lvl="1"/>
-            <a:r>
-              <a:rPr lang="ru-RU" dirty="0"/>
-              <a:t>Поведенческие </a:t>
-            </a:r>
-            <a:r>
-              <a:rPr lang="ru-RU" dirty="0" smtClean="0"/>
-              <a:t>требования</a:t>
-            </a:r>
-          </a:p>
-          <a:p>
-            <a:pPr marL="514350" indent="-514350">
-              <a:buAutoNum type="arabicPeriod" startAt="2"/>
-            </a:pPr>
-            <a:r>
-              <a:rPr lang="ru-RU" dirty="0" smtClean="0"/>
-              <a:t>Предварительное проектирование</a:t>
-            </a:r>
-          </a:p>
-          <a:p>
-            <a:pPr lvl="1"/>
-            <a:r>
-              <a:rPr lang="ru-RU" dirty="0"/>
-              <a:t>Робастный анализ </a:t>
-            </a:r>
-            <a:endParaRPr lang="ru-RU" dirty="0" smtClean="0"/>
-          </a:p>
-          <a:p>
-            <a:pPr lvl="1"/>
-            <a:r>
-              <a:rPr lang="ru-RU" dirty="0" smtClean="0"/>
-              <a:t>Создание модели </a:t>
-            </a:r>
-            <a:r>
-              <a:rPr lang="ru-RU" dirty="0"/>
-              <a:t>предметной </a:t>
-            </a:r>
-            <a:r>
-              <a:rPr lang="ru-RU" dirty="0" smtClean="0"/>
-              <a:t>области</a:t>
-            </a:r>
-          </a:p>
-          <a:p>
-            <a:pPr lvl="1"/>
-            <a:r>
-              <a:rPr lang="ru-RU" dirty="0" smtClean="0"/>
-              <a:t>Перечисление всех связующих логических </a:t>
-            </a:r>
-            <a:r>
-              <a:rPr lang="ru-RU" dirty="0"/>
-              <a:t>функции (</a:t>
-            </a:r>
-            <a:r>
-              <a:rPr lang="ru-RU" dirty="0" smtClean="0"/>
-              <a:t>контроллеров)</a:t>
-            </a:r>
-          </a:p>
-          <a:p>
-            <a:pPr lvl="1"/>
-            <a:r>
-              <a:rPr lang="ru-RU" dirty="0" smtClean="0"/>
-              <a:t>Варианты </a:t>
-            </a:r>
-            <a:r>
-              <a:rPr lang="ru-RU" dirty="0"/>
-              <a:t>использования</a:t>
-            </a:r>
-          </a:p>
-          <a:p>
-            <a:pPr lvl="1"/>
-            <a:endParaRPr lang="ru-RU" dirty="0"/>
-          </a:p>
-        </p:txBody>
-      </p:sp>
-    </p:spTree>
-    <p:extLst>
-      <p:ext uri="{BB962C8B-B14F-4D97-AF65-F5344CB8AC3E}">
-        <p14:creationId xmlns:p14="http://schemas.microsoft.com/office/powerpoint/2010/main" val="3785808841"/>
-      </p:ext>
-    </p:extLst>
-  </p:cSld>
-  <p:clrMapOvr>
-    <a:masterClrMapping/>
-  </p:clrMapOvr>
-  <p:timing>
-    <p:tnLst>
-      <p:par>
-        <p:cTn id="1" dur="indefinite" restart="never" nodeType="tmRoot"/>
-      </p:par>
-    </p:tnLst>
-  </p:timing>
-</p:sld>
-</file>
-
-<file path=ppt/slides/slide30.xml><?xml version="1.0" encoding="utf-8"?>
+<file path=ppt/slides/slide31.xml><?xml version="1.0" encoding="utf-8"?>
 <p:sld xmlns:a="http://schemas.openxmlformats.org/drawingml/2006/main" xmlns:r="http://schemas.openxmlformats.org/officeDocument/2006/relationships" xmlns:p="http://schemas.openxmlformats.org/presentationml/2006/main">
   <p:cSld>
     <p:spTree>
@@ -7426,7 +7546,7 @@
 </p:sld>
 </file>
 
-<file path=ppt/slides/slide31.xml><?xml version="1.0" encoding="utf-8"?>
+<file path=ppt/slides/slide32.xml><?xml version="1.0" encoding="utf-8"?>
 <p:sld xmlns:a="http://schemas.openxmlformats.org/drawingml/2006/main" xmlns:r="http://schemas.openxmlformats.org/officeDocument/2006/relationships" xmlns:p="http://schemas.openxmlformats.org/presentationml/2006/main">
   <p:cSld>
     <p:spTree>
@@ -7577,7 +7697,7 @@
 </p:sld>
 </file>
 
-<file path=ppt/slides/slide32.xml><?xml version="1.0" encoding="utf-8"?>
+<file path=ppt/slides/slide33.xml><?xml version="1.0" encoding="utf-8"?>
 <p:sld xmlns:a="http://schemas.openxmlformats.org/drawingml/2006/main" xmlns:r="http://schemas.openxmlformats.org/officeDocument/2006/relationships" xmlns:p="http://schemas.openxmlformats.org/presentationml/2006/main">
   <p:cSld>
     <p:spTree>
@@ -7711,7 +7831,7 @@
 </p:sld>
 </file>
 
-<file path=ppt/slides/slide33.xml><?xml version="1.0" encoding="utf-8"?>
+<file path=ppt/slides/slide34.xml><?xml version="1.0" encoding="utf-8"?>
 <p:sld xmlns:a="http://schemas.openxmlformats.org/drawingml/2006/main" xmlns:r="http://schemas.openxmlformats.org/officeDocument/2006/relationships" xmlns:p="http://schemas.openxmlformats.org/presentationml/2006/main">
   <p:cSld>
     <p:spTree>
@@ -7789,7 +7909,7 @@
 </p:sld>
 </file>
 
-<file path=ppt/slides/slide34.xml><?xml version="1.0" encoding="utf-8"?>
+<file path=ppt/slides/slide35.xml><?xml version="1.0" encoding="utf-8"?>
 <p:sld xmlns:a="http://schemas.openxmlformats.org/drawingml/2006/main" xmlns:r="http://schemas.openxmlformats.org/officeDocument/2006/relationships" xmlns:p="http://schemas.openxmlformats.org/presentationml/2006/main">
   <p:cSld>
     <p:spTree>
@@ -7874,7 +7994,7 @@
 </p:sld>
 </file>
 
-<file path=ppt/slides/slide35.xml><?xml version="1.0" encoding="utf-8"?>
+<file path=ppt/slides/slide36.xml><?xml version="1.0" encoding="utf-8"?>
 <p:sld xmlns:a="http://schemas.openxmlformats.org/drawingml/2006/main" xmlns:r="http://schemas.openxmlformats.org/officeDocument/2006/relationships" xmlns:p="http://schemas.openxmlformats.org/presentationml/2006/main">
   <p:cSld>
     <p:spTree>
@@ -7916,8 +8036,602 @@
         </p:blipFill>
         <p:spPr bwMode="auto">
           <a:xfrm>
-            <a:off x="1929784" y="663599"/>
-            <a:ext cx="7750003" cy="5286825"/>
+            <a:off x="1929785" y="663600"/>
+            <a:ext cx="6627362" cy="4520992"/>
+          </a:xfrm>
+          <a:prstGeom prst="rect">
+            <a:avLst/>
+          </a:prstGeom>
+          <a:noFill/>
+          <a:extLst>
+            <a:ext uri="{909E8E84-426E-40DD-AFC4-6F175D3DCCD1}">
+              <a14:hiddenFill xmlns:a14="http://schemas.microsoft.com/office/drawing/2010/main">
+                <a:solidFill>
+                  <a:srgbClr val="FFFFFF"/>
+                </a:solidFill>
+              </a14:hiddenFill>
+            </a:ext>
+          </a:extLst>
+        </p:spPr>
+      </p:pic>
+      <p:sp>
+        <p:nvSpPr>
+          <p:cNvPr id="2" name="Прямоугольник 1"/>
+          <p:cNvSpPr/>
+          <p:nvPr/>
+        </p:nvSpPr>
+        <p:spPr>
+          <a:xfrm>
+            <a:off x="1260143" y="5396635"/>
+            <a:ext cx="10326806" cy="923330"/>
+          </a:xfrm>
+          <a:prstGeom prst="rect">
+            <a:avLst/>
+          </a:prstGeom>
+        </p:spPr>
+        <p:txBody>
+          <a:bodyPr wrap="square">
+            <a:spAutoFit/>
+          </a:bodyPr>
+          <a:lstStyle/>
+          <a:p>
+            <a:pPr marL="285750" indent="-285750">
+              <a:buFont typeface="Arial" panose="020B0604020202020204" pitchFamily="34" charset="0"/>
+              <a:buChar char="•"/>
+            </a:pPr>
+            <a:r>
+              <a:rPr lang="ru-RU" dirty="0"/>
+              <a:t>При проектировании таблиц за основу берутся модели предметной области</a:t>
+            </a:r>
+          </a:p>
+          <a:p>
+            <a:pPr marL="285750" indent="-285750">
+              <a:buFont typeface="Arial" panose="020B0604020202020204" pitchFamily="34" charset="0"/>
+              <a:buChar char="•"/>
+            </a:pPr>
+            <a:r>
+              <a:rPr lang="ru-RU" dirty="0"/>
+              <a:t>Связи между таблицами – ассоциации между </a:t>
+            </a:r>
+            <a:r>
+              <a:rPr lang="ru-RU" dirty="0" smtClean="0"/>
+              <a:t>моделями</a:t>
+            </a:r>
+          </a:p>
+          <a:p>
+            <a:pPr marL="285750" indent="-285750">
+              <a:buFont typeface="Arial" panose="020B0604020202020204" pitchFamily="34" charset="0"/>
+              <a:buChar char="•"/>
+            </a:pPr>
+            <a:r>
+              <a:rPr lang="ru-RU" dirty="0" smtClean="0"/>
+              <a:t>Используем внешние ключи и индексы</a:t>
+            </a:r>
+            <a:endParaRPr lang="ru-RU" dirty="0"/>
+          </a:p>
+        </p:txBody>
+      </p:sp>
+    </p:spTree>
+    <p:extLst>
+      <p:ext uri="{BB962C8B-B14F-4D97-AF65-F5344CB8AC3E}">
+        <p14:creationId xmlns:p14="http://schemas.microsoft.com/office/powerpoint/2010/main" val="109802497"/>
+      </p:ext>
+    </p:extLst>
+  </p:cSld>
+  <p:clrMapOvr>
+    <a:masterClrMapping/>
+  </p:clrMapOvr>
+  <p:timing>
+    <p:tnLst>
+      <p:par>
+        <p:cTn id="1" dur="indefinite" restart="never" nodeType="tmRoot"/>
+      </p:par>
+    </p:tnLst>
+  </p:timing>
+</p:sld>
+</file>
+
+<file path=ppt/slides/slide37.xml><?xml version="1.0" encoding="utf-8"?>
+<p:sld xmlns:a="http://schemas.openxmlformats.org/drawingml/2006/main" xmlns:r="http://schemas.openxmlformats.org/officeDocument/2006/relationships" xmlns:p="http://schemas.openxmlformats.org/presentationml/2006/main">
+  <p:cSld>
+    <p:spTree>
+      <p:nvGrpSpPr>
+        <p:cNvPr id="1" name=""/>
+        <p:cNvGrpSpPr/>
+        <p:nvPr/>
+      </p:nvGrpSpPr>
+      <p:grpSpPr>
+        <a:xfrm>
+          <a:off x="0" y="0"/>
+          <a:ext cx="0" cy="0"/>
+          <a:chOff x="0" y="0"/>
+          <a:chExt cx="0" cy="0"/>
+        </a:xfrm>
+      </p:grpSpPr>
+      <p:sp>
+        <p:nvSpPr>
+          <p:cNvPr id="3" name="Объект 2"/>
+          <p:cNvSpPr>
+            <a:spLocks noGrp="1"/>
+          </p:cNvSpPr>
+          <p:nvPr>
+            <p:ph idx="1"/>
+          </p:nvPr>
+        </p:nvSpPr>
+        <p:spPr>
+          <a:xfrm>
+            <a:off x="838200" y="218364"/>
+            <a:ext cx="4825621" cy="5958599"/>
+          </a:xfrm>
+        </p:spPr>
+        <p:txBody>
+          <a:bodyPr>
+            <a:normAutofit/>
+          </a:bodyPr>
+          <a:lstStyle/>
+          <a:p>
+            <a:pPr marL="0" indent="0">
+              <a:buNone/>
+            </a:pPr>
+            <a:r>
+              <a:rPr lang="ru-RU" dirty="0" smtClean="0"/>
+              <a:t>1. Сбор требований, планирование </a:t>
+            </a:r>
+          </a:p>
+          <a:p>
+            <a:pPr marL="514350" indent="-514350">
+              <a:buAutoNum type="arabicPeriod"/>
+            </a:pPr>
+            <a:endParaRPr lang="ru-RU" dirty="0"/>
+          </a:p>
+          <a:p>
+            <a:pPr marL="514350" indent="-514350">
+              <a:buAutoNum type="arabicPeriod"/>
+            </a:pPr>
+            <a:endParaRPr lang="ru-RU" dirty="0" smtClean="0"/>
+          </a:p>
+          <a:p>
+            <a:pPr marL="0" indent="0">
+              <a:buNone/>
+            </a:pPr>
+            <a:endParaRPr lang="ru-RU" dirty="0" smtClean="0"/>
+          </a:p>
+          <a:p>
+            <a:pPr marL="0" indent="0">
+              <a:buNone/>
+            </a:pPr>
+            <a:endParaRPr lang="ru-RU" dirty="0"/>
+          </a:p>
+          <a:p>
+            <a:pPr marL="0" indent="0">
+              <a:buNone/>
+            </a:pPr>
+            <a:r>
+              <a:rPr lang="ru-RU" dirty="0" smtClean="0"/>
+              <a:t>2.  Моделируем предметную область</a:t>
+            </a:r>
+            <a:endParaRPr lang="ru-RU" dirty="0"/>
+          </a:p>
+        </p:txBody>
+      </p:sp>
+      <p:pic>
+        <p:nvPicPr>
+          <p:cNvPr id="4" name="Picture 2"/>
+          <p:cNvPicPr>
+            <a:picLocks noChangeAspect="1" noChangeArrowheads="1"/>
+          </p:cNvPicPr>
+          <p:nvPr/>
+        </p:nvPicPr>
+        <p:blipFill>
+          <a:blip r:embed="rId3">
+            <a:extLst>
+              <a:ext uri="{28A0092B-C50C-407E-A947-70E740481C1C}">
+                <a14:useLocalDpi xmlns:a14="http://schemas.microsoft.com/office/drawing/2010/main" val="0"/>
+              </a:ext>
+            </a:extLst>
+          </a:blip>
+          <a:srcRect/>
+          <a:stretch>
+            <a:fillRect/>
+          </a:stretch>
+        </p:blipFill>
+        <p:spPr bwMode="auto">
+          <a:xfrm>
+            <a:off x="3135004" y="769035"/>
+            <a:ext cx="2404173" cy="1983749"/>
+          </a:xfrm>
+          <a:prstGeom prst="rect">
+            <a:avLst/>
+          </a:prstGeom>
+          <a:noFill/>
+          <a:ln>
+            <a:noFill/>
+          </a:ln>
+          <a:extLst>
+            <a:ext uri="{909E8E84-426E-40DD-AFC4-6F175D3DCCD1}">
+              <a14:hiddenFill xmlns:a14="http://schemas.microsoft.com/office/drawing/2010/main">
+                <a:solidFill>
+                  <a:srgbClr val="FFFFFF"/>
+                </a:solidFill>
+              </a14:hiddenFill>
+            </a:ext>
+            <a:ext uri="{91240B29-F687-4F45-9708-019B960494DF}">
+              <a14:hiddenLine xmlns:a14="http://schemas.microsoft.com/office/drawing/2010/main" w="9525">
+                <a:solidFill>
+                  <a:srgbClr val="000000"/>
+                </a:solidFill>
+                <a:miter lim="800000"/>
+                <a:headEnd/>
+                <a:tailEnd/>
+              </a14:hiddenLine>
+            </a:ext>
+          </a:extLst>
+        </p:spPr>
+      </p:pic>
+      <p:pic>
+        <p:nvPicPr>
+          <p:cNvPr id="5" name="Picture 2"/>
+          <p:cNvPicPr>
+            <a:picLocks noChangeAspect="1" noChangeArrowheads="1"/>
+          </p:cNvPicPr>
+          <p:nvPr/>
+        </p:nvPicPr>
+        <p:blipFill>
+          <a:blip r:embed="rId4">
+            <a:extLst>
+              <a:ext uri="{28A0092B-C50C-407E-A947-70E740481C1C}">
+                <a14:useLocalDpi xmlns:a14="http://schemas.microsoft.com/office/drawing/2010/main" val="0"/>
+              </a:ext>
+            </a:extLst>
+          </a:blip>
+          <a:srcRect/>
+          <a:stretch>
+            <a:fillRect/>
+          </a:stretch>
+        </p:blipFill>
+        <p:spPr bwMode="auto">
+          <a:xfrm>
+            <a:off x="2202193" y="3905274"/>
+            <a:ext cx="3336984" cy="2545457"/>
+          </a:xfrm>
+          <a:prstGeom prst="rect">
+            <a:avLst/>
+          </a:prstGeom>
+          <a:noFill/>
+          <a:ln>
+            <a:noFill/>
+          </a:ln>
+          <a:extLst>
+            <a:ext uri="{909E8E84-426E-40DD-AFC4-6F175D3DCCD1}">
+              <a14:hiddenFill xmlns:a14="http://schemas.microsoft.com/office/drawing/2010/main">
+                <a:solidFill>
+                  <a:srgbClr val="FFFFFF"/>
+                </a:solidFill>
+              </a14:hiddenFill>
+            </a:ext>
+            <a:ext uri="{91240B29-F687-4F45-9708-019B960494DF}">
+              <a14:hiddenLine xmlns:a14="http://schemas.microsoft.com/office/drawing/2010/main" w="9525">
+                <a:solidFill>
+                  <a:srgbClr val="000000"/>
+                </a:solidFill>
+                <a:miter lim="800000"/>
+                <a:headEnd/>
+                <a:tailEnd/>
+              </a14:hiddenLine>
+            </a:ext>
+          </a:extLst>
+        </p:spPr>
+      </p:pic>
+      <p:sp>
+        <p:nvSpPr>
+          <p:cNvPr id="6" name="Объект 2"/>
+          <p:cNvSpPr txBox="1">
+            <a:spLocks/>
+          </p:cNvSpPr>
+          <p:nvPr/>
+        </p:nvSpPr>
+        <p:spPr>
+          <a:xfrm>
+            <a:off x="5999328" y="218364"/>
+            <a:ext cx="4825621" cy="5958599"/>
+          </a:xfrm>
+          <a:prstGeom prst="rect">
+            <a:avLst/>
+          </a:prstGeom>
+        </p:spPr>
+        <p:txBody>
+          <a:bodyPr vert="horz" lIns="91440" tIns="45720" rIns="91440" bIns="45720" rtlCol="0">
+            <a:normAutofit/>
+          </a:bodyPr>
+          <a:lstStyle>
+            <a:lvl1pPr marL="228600" indent="-228600" algn="l" defTabSz="914400" rtl="0" eaLnBrk="1" latinLnBrk="0" hangingPunct="1">
+              <a:lnSpc>
+                <a:spcPct val="90000"/>
+              </a:lnSpc>
+              <a:spcBef>
+                <a:spcPts val="1000"/>
+              </a:spcBef>
+              <a:buFont typeface="Arial" panose="020B0604020202020204" pitchFamily="34" charset="0"/>
+              <a:buChar char="•"/>
+              <a:defRPr sz="2800" kern="1200">
+                <a:solidFill>
+                  <a:schemeClr val="tx1"/>
+                </a:solidFill>
+                <a:latin typeface="+mn-lt"/>
+                <a:ea typeface="+mn-ea"/>
+                <a:cs typeface="+mn-cs"/>
+              </a:defRPr>
+            </a:lvl1pPr>
+            <a:lvl2pPr marL="685800" indent="-228600" algn="l" defTabSz="914400" rtl="0" eaLnBrk="1" latinLnBrk="0" hangingPunct="1">
+              <a:lnSpc>
+                <a:spcPct val="90000"/>
+              </a:lnSpc>
+              <a:spcBef>
+                <a:spcPts val="500"/>
+              </a:spcBef>
+              <a:buFont typeface="Arial" panose="020B0604020202020204" pitchFamily="34" charset="0"/>
+              <a:buChar char="•"/>
+              <a:defRPr sz="2400" kern="1200">
+                <a:solidFill>
+                  <a:schemeClr val="tx1"/>
+                </a:solidFill>
+                <a:latin typeface="+mn-lt"/>
+                <a:ea typeface="+mn-ea"/>
+                <a:cs typeface="+mn-cs"/>
+              </a:defRPr>
+            </a:lvl2pPr>
+            <a:lvl3pPr marL="1143000" indent="-228600" algn="l" defTabSz="914400" rtl="0" eaLnBrk="1" latinLnBrk="0" hangingPunct="1">
+              <a:lnSpc>
+                <a:spcPct val="90000"/>
+              </a:lnSpc>
+              <a:spcBef>
+                <a:spcPts val="500"/>
+              </a:spcBef>
+              <a:buFont typeface="Arial" panose="020B0604020202020204" pitchFamily="34" charset="0"/>
+              <a:buChar char="•"/>
+              <a:defRPr sz="2000" kern="1200">
+                <a:solidFill>
+                  <a:schemeClr val="tx1"/>
+                </a:solidFill>
+                <a:latin typeface="+mn-lt"/>
+                <a:ea typeface="+mn-ea"/>
+                <a:cs typeface="+mn-cs"/>
+              </a:defRPr>
+            </a:lvl3pPr>
+            <a:lvl4pPr marL="1600200" indent="-228600" algn="l" defTabSz="914400" rtl="0" eaLnBrk="1" latinLnBrk="0" hangingPunct="1">
+              <a:lnSpc>
+                <a:spcPct val="90000"/>
+              </a:lnSpc>
+              <a:spcBef>
+                <a:spcPts val="500"/>
+              </a:spcBef>
+              <a:buFont typeface="Arial" panose="020B0604020202020204" pitchFamily="34" charset="0"/>
+              <a:buChar char="•"/>
+              <a:defRPr sz="1800" kern="1200">
+                <a:solidFill>
+                  <a:schemeClr val="tx1"/>
+                </a:solidFill>
+                <a:latin typeface="+mn-lt"/>
+                <a:ea typeface="+mn-ea"/>
+                <a:cs typeface="+mn-cs"/>
+              </a:defRPr>
+            </a:lvl4pPr>
+            <a:lvl5pPr marL="2057400" indent="-228600" algn="l" defTabSz="914400" rtl="0" eaLnBrk="1" latinLnBrk="0" hangingPunct="1">
+              <a:lnSpc>
+                <a:spcPct val="90000"/>
+              </a:lnSpc>
+              <a:spcBef>
+                <a:spcPts val="500"/>
+              </a:spcBef>
+              <a:buFont typeface="Arial" panose="020B0604020202020204" pitchFamily="34" charset="0"/>
+              <a:buChar char="•"/>
+              <a:defRPr sz="1800" kern="1200">
+                <a:solidFill>
+                  <a:schemeClr val="tx1"/>
+                </a:solidFill>
+                <a:latin typeface="+mn-lt"/>
+                <a:ea typeface="+mn-ea"/>
+                <a:cs typeface="+mn-cs"/>
+              </a:defRPr>
+            </a:lvl5pPr>
+            <a:lvl6pPr marL="2514600" indent="-228600" algn="l" defTabSz="914400" rtl="0" eaLnBrk="1" latinLnBrk="0" hangingPunct="1">
+              <a:lnSpc>
+                <a:spcPct val="90000"/>
+              </a:lnSpc>
+              <a:spcBef>
+                <a:spcPts val="500"/>
+              </a:spcBef>
+              <a:buFont typeface="Arial" panose="020B0604020202020204" pitchFamily="34" charset="0"/>
+              <a:buChar char="•"/>
+              <a:defRPr sz="1800" kern="1200">
+                <a:solidFill>
+                  <a:schemeClr val="tx1"/>
+                </a:solidFill>
+                <a:latin typeface="+mn-lt"/>
+                <a:ea typeface="+mn-ea"/>
+                <a:cs typeface="+mn-cs"/>
+              </a:defRPr>
+            </a:lvl6pPr>
+            <a:lvl7pPr marL="2971800" indent="-228600" algn="l" defTabSz="914400" rtl="0" eaLnBrk="1" latinLnBrk="0" hangingPunct="1">
+              <a:lnSpc>
+                <a:spcPct val="90000"/>
+              </a:lnSpc>
+              <a:spcBef>
+                <a:spcPts val="500"/>
+              </a:spcBef>
+              <a:buFont typeface="Arial" panose="020B0604020202020204" pitchFamily="34" charset="0"/>
+              <a:buChar char="•"/>
+              <a:defRPr sz="1800" kern="1200">
+                <a:solidFill>
+                  <a:schemeClr val="tx1"/>
+                </a:solidFill>
+                <a:latin typeface="+mn-lt"/>
+                <a:ea typeface="+mn-ea"/>
+                <a:cs typeface="+mn-cs"/>
+              </a:defRPr>
+            </a:lvl7pPr>
+            <a:lvl8pPr marL="3429000" indent="-228600" algn="l" defTabSz="914400" rtl="0" eaLnBrk="1" latinLnBrk="0" hangingPunct="1">
+              <a:lnSpc>
+                <a:spcPct val="90000"/>
+              </a:lnSpc>
+              <a:spcBef>
+                <a:spcPts val="500"/>
+              </a:spcBef>
+              <a:buFont typeface="Arial" panose="020B0604020202020204" pitchFamily="34" charset="0"/>
+              <a:buChar char="•"/>
+              <a:defRPr sz="1800" kern="1200">
+                <a:solidFill>
+                  <a:schemeClr val="tx1"/>
+                </a:solidFill>
+                <a:latin typeface="+mn-lt"/>
+                <a:ea typeface="+mn-ea"/>
+                <a:cs typeface="+mn-cs"/>
+              </a:defRPr>
+            </a:lvl8pPr>
+            <a:lvl9pPr marL="3886200" indent="-228600" algn="l" defTabSz="914400" rtl="0" eaLnBrk="1" latinLnBrk="0" hangingPunct="1">
+              <a:lnSpc>
+                <a:spcPct val="90000"/>
+              </a:lnSpc>
+              <a:spcBef>
+                <a:spcPts val="500"/>
+              </a:spcBef>
+              <a:buFont typeface="Arial" panose="020B0604020202020204" pitchFamily="34" charset="0"/>
+              <a:buChar char="•"/>
+              <a:defRPr sz="1800" kern="1200">
+                <a:solidFill>
+                  <a:schemeClr val="tx1"/>
+                </a:solidFill>
+                <a:latin typeface="+mn-lt"/>
+                <a:ea typeface="+mn-ea"/>
+                <a:cs typeface="+mn-cs"/>
+              </a:defRPr>
+            </a:lvl9pPr>
+          </a:lstStyle>
+          <a:p>
+            <a:pPr marL="0" indent="0">
+              <a:buFont typeface="Arial" panose="020B0604020202020204" pitchFamily="34" charset="0"/>
+              <a:buNone/>
+            </a:pPr>
+            <a:r>
+              <a:rPr lang="ru-RU" dirty="0"/>
+              <a:t>3</a:t>
+            </a:r>
+            <a:r>
+              <a:rPr lang="ru-RU" dirty="0" smtClean="0"/>
+              <a:t>. Моделирование вариантов</a:t>
+            </a:r>
+          </a:p>
+          <a:p>
+            <a:pPr marL="0" indent="0">
+              <a:buFont typeface="Arial" panose="020B0604020202020204" pitchFamily="34" charset="0"/>
+              <a:buNone/>
+            </a:pPr>
+            <a:r>
+              <a:rPr lang="ru-RU" dirty="0" smtClean="0"/>
+              <a:t>использования</a:t>
+            </a:r>
+          </a:p>
+          <a:p>
+            <a:pPr marL="514350" indent="-514350">
+              <a:buFont typeface="Arial" panose="020B0604020202020204" pitchFamily="34" charset="0"/>
+              <a:buAutoNum type="arabicPeriod"/>
+            </a:pPr>
+            <a:endParaRPr lang="ru-RU" dirty="0" smtClean="0"/>
+          </a:p>
+          <a:p>
+            <a:pPr marL="514350" indent="-514350">
+              <a:buFont typeface="Arial" panose="020B0604020202020204" pitchFamily="34" charset="0"/>
+              <a:buAutoNum type="arabicPeriod"/>
+            </a:pPr>
+            <a:endParaRPr lang="ru-RU" dirty="0" smtClean="0"/>
+          </a:p>
+          <a:p>
+            <a:pPr marL="0" indent="0">
+              <a:buFont typeface="Arial" panose="020B0604020202020204" pitchFamily="34" charset="0"/>
+              <a:buNone/>
+            </a:pPr>
+            <a:endParaRPr lang="ru-RU" dirty="0" smtClean="0"/>
+          </a:p>
+          <a:p>
+            <a:pPr marL="0" indent="0">
+              <a:buFont typeface="Arial" panose="020B0604020202020204" pitchFamily="34" charset="0"/>
+              <a:buNone/>
+            </a:pPr>
+            <a:endParaRPr lang="ru-RU" dirty="0" smtClean="0"/>
+          </a:p>
+          <a:p>
+            <a:pPr marL="0" indent="0">
+              <a:buFont typeface="Arial" panose="020B0604020202020204" pitchFamily="34" charset="0"/>
+              <a:buNone/>
+            </a:pPr>
+            <a:endParaRPr lang="ru-RU" dirty="0" smtClean="0"/>
+          </a:p>
+          <a:p>
+            <a:pPr marL="0" indent="0">
+              <a:buFont typeface="Arial" panose="020B0604020202020204" pitchFamily="34" charset="0"/>
+              <a:buNone/>
+            </a:pPr>
+            <a:r>
+              <a:rPr lang="ru-RU" dirty="0"/>
+              <a:t>4</a:t>
+            </a:r>
+            <a:r>
+              <a:rPr lang="ru-RU" dirty="0" smtClean="0"/>
+              <a:t>.  Создание диаграммы классов</a:t>
+            </a:r>
+            <a:endParaRPr lang="ru-RU" dirty="0"/>
+          </a:p>
+        </p:txBody>
+      </p:sp>
+      <p:pic>
+        <p:nvPicPr>
+          <p:cNvPr id="7" name="Рисунок 6"/>
+          <p:cNvPicPr>
+            <a:picLocks noChangeAspect="1"/>
+          </p:cNvPicPr>
+          <p:nvPr/>
+        </p:nvPicPr>
+        <p:blipFill>
+          <a:blip r:embed="rId5"/>
+          <a:stretch>
+            <a:fillRect/>
+          </a:stretch>
+        </p:blipFill>
+        <p:spPr>
+          <a:xfrm>
+            <a:off x="8838909" y="618910"/>
+            <a:ext cx="2993701" cy="2965826"/>
+          </a:xfrm>
+          <a:prstGeom prst="rect">
+            <a:avLst/>
+          </a:prstGeom>
+        </p:spPr>
+      </p:pic>
+      <p:pic>
+        <p:nvPicPr>
+          <p:cNvPr id="8" name="Picture 2" descr="https://habrastorage.org/webt/8h/0j/1o/8h0j1oxzoi02hruqvkmw7ercvqi.png"/>
+          <p:cNvPicPr>
+            <a:picLocks noChangeAspect="1" noChangeArrowheads="1"/>
+          </p:cNvPicPr>
+          <p:nvPr/>
+        </p:nvPicPr>
+        <p:blipFill>
+          <a:blip r:embed="rId6" cstate="print">
+            <a:extLst>
+              <a:ext uri="{28A0092B-C50C-407E-A947-70E740481C1C}">
+                <a14:useLocalDpi xmlns:a14="http://schemas.microsoft.com/office/drawing/2010/main" val="0"/>
+              </a:ext>
+            </a:extLst>
+          </a:blip>
+          <a:srcRect/>
+          <a:stretch>
+            <a:fillRect/>
+          </a:stretch>
+        </p:blipFill>
+        <p:spPr bwMode="auto">
+          <a:xfrm>
+            <a:off x="8071275" y="4412367"/>
+            <a:ext cx="2601274" cy="2038364"/>
           </a:xfrm>
           <a:prstGeom prst="rect">
             <a:avLst/>
@@ -7937,7 +8651,7 @@
     </p:spTree>
     <p:extLst>
       <p:ext uri="{BB962C8B-B14F-4D97-AF65-F5344CB8AC3E}">
-        <p14:creationId xmlns:p14="http://schemas.microsoft.com/office/powerpoint/2010/main" val="109802497"/>
+        <p14:creationId xmlns:p14="http://schemas.microsoft.com/office/powerpoint/2010/main" val="2210153509"/>
       </p:ext>
     </p:extLst>
   </p:cSld>
@@ -7951,6 +8665,116 @@
       </p:par>
     </p:tnLst>
   </p:timing>
+</p:sld>
+</file>
+
+<file path=ppt/slides/slide38.xml><?xml version="1.0" encoding="utf-8"?>
+<p:sld xmlns:a="http://schemas.openxmlformats.org/drawingml/2006/main" xmlns:r="http://schemas.openxmlformats.org/officeDocument/2006/relationships" xmlns:p="http://schemas.openxmlformats.org/presentationml/2006/main">
+  <p:cSld>
+    <p:spTree>
+      <p:nvGrpSpPr>
+        <p:cNvPr id="1" name=""/>
+        <p:cNvGrpSpPr/>
+        <p:nvPr/>
+      </p:nvGrpSpPr>
+      <p:grpSpPr>
+        <a:xfrm>
+          <a:off x="0" y="0"/>
+          <a:ext cx="0" cy="0"/>
+          <a:chOff x="0" y="0"/>
+          <a:chExt cx="0" cy="0"/>
+        </a:xfrm>
+      </p:grpSpPr>
+      <p:sp>
+        <p:nvSpPr>
+          <p:cNvPr id="2" name="Заголовок 1"/>
+          <p:cNvSpPr>
+            <a:spLocks noGrp="1"/>
+          </p:cNvSpPr>
+          <p:nvPr>
+            <p:ph type="title"/>
+          </p:nvPr>
+        </p:nvSpPr>
+        <p:spPr/>
+        <p:txBody>
+          <a:bodyPr/>
+          <a:lstStyle/>
+          <a:p>
+            <a:r>
+              <a:rPr lang="ru-RU" dirty="0" smtClean="0"/>
+              <a:t>Ссылки по теме</a:t>
+            </a:r>
+            <a:endParaRPr lang="ru-RU" dirty="0"/>
+          </a:p>
+        </p:txBody>
+      </p:sp>
+      <p:sp>
+        <p:nvSpPr>
+          <p:cNvPr id="3" name="Объект 2"/>
+          <p:cNvSpPr>
+            <a:spLocks noGrp="1"/>
+          </p:cNvSpPr>
+          <p:nvPr>
+            <p:ph idx="1"/>
+          </p:nvPr>
+        </p:nvSpPr>
+        <p:spPr/>
+        <p:txBody>
+          <a:bodyPr/>
+          <a:lstStyle/>
+          <a:p>
+            <a:r>
+              <a:rPr lang="en-US" dirty="0" smtClean="0"/>
+              <a:t>UML </a:t>
+            </a:r>
+            <a:r>
+              <a:rPr lang="en-US" u="sng" dirty="0">
+                <a:hlinkClick r:id="rId2"/>
+              </a:rPr>
+              <a:t>http://</a:t>
+            </a:r>
+            <a:r>
+              <a:rPr lang="en-US" u="sng" dirty="0" smtClean="0">
+                <a:hlinkClick r:id="rId2"/>
+              </a:rPr>
+              <a:t>larin.in/archives/26</a:t>
+            </a:r>
+            <a:endParaRPr lang="en-US" u="sng" dirty="0" smtClean="0"/>
+          </a:p>
+          <a:p>
+            <a:r>
+              <a:rPr lang="ru-RU" u="sng" dirty="0" smtClean="0"/>
+              <a:t>Учебные материалы </a:t>
+            </a:r>
+            <a:r>
+              <a:rPr lang="en-US" u="sng" dirty="0">
+                <a:hlinkClick r:id="rId3"/>
+              </a:rPr>
+              <a:t>https://</a:t>
+            </a:r>
+            <a:r>
+              <a:rPr lang="en-US" u="sng" dirty="0" smtClean="0">
+                <a:hlinkClick r:id="rId3"/>
+              </a:rPr>
+              <a:t>github.com/dimaxz/Lectures</a:t>
+            </a:r>
+            <a:endParaRPr lang="ru-RU" u="sng" dirty="0" smtClean="0"/>
+          </a:p>
+          <a:p>
+            <a:endParaRPr lang="ru-RU" dirty="0"/>
+          </a:p>
+        </p:txBody>
+      </p:sp>
+    </p:spTree>
+    <p:extLst>
+      <p:ext uri="{BB962C8B-B14F-4D97-AF65-F5344CB8AC3E}">
+        <p14:creationId xmlns:p14="http://schemas.microsoft.com/office/powerpoint/2010/main" val="2935022202"/>
+      </p:ext>
+    </p:extLst>
+  </p:cSld>
+  <p:clrMapOvr>
+    <a:masterClrMapping/>
+  </p:clrMapOvr>
 </p:sld>
 </file>
 
@@ -8834,7 +9658,7 @@
           <a:graphicData uri="http://schemas.openxmlformats.org/presentationml/2006/ole">
             <mc:AlternateContent xmlns:mc="http://schemas.openxmlformats.org/markup-compatibility/2006">
               <mc:Choice xmlns:v="urn:schemas-microsoft-com:vml" Requires="v">
-                <p:oleObj spid="_x0000_s1029" r:id="rId3" imgW="6027872" imgH="3675298" progId="Visio.Drawing.11">
+                <p:oleObj spid="_x0000_s1034" r:id="rId3" imgW="6027872" imgH="3675298" progId="Visio.Drawing.11">
                   <p:embed/>
                 </p:oleObj>
               </mc:Choice>
